--- a/Slides/captured-pictures.pptx
+++ b/Slides/captured-pictures.pptx
@@ -8,6 +8,20 @@
     <p:sldId id="256" r:id="rId2"/>
     <p:sldId id="257" r:id="rId3"/>
     <p:sldId id="258" r:id="rId4"/>
+    <p:sldId id="259" r:id="rId5"/>
+    <p:sldId id="260" r:id="rId6"/>
+    <p:sldId id="267" r:id="rId7"/>
+    <p:sldId id="268" r:id="rId8"/>
+    <p:sldId id="261" r:id="rId9"/>
+    <p:sldId id="262" r:id="rId10"/>
+    <p:sldId id="263" r:id="rId11"/>
+    <p:sldId id="264" r:id="rId12"/>
+    <p:sldId id="265" r:id="rId13"/>
+    <p:sldId id="266" r:id="rId14"/>
+    <p:sldId id="269" r:id="rId15"/>
+    <p:sldId id="270" r:id="rId16"/>
+    <p:sldId id="271" r:id="rId17"/>
+    <p:sldId id="272" r:id="rId18"/>
   </p:sldIdLst>
   <p:sldSz cx="12192000" cy="6858000"/>
   <p:notesSz cx="6858000" cy="9144000"/>
@@ -106,6 +120,11 @@
       </a:defRPr>
     </a:lvl9pPr>
   </p:defaultTextStyle>
+  <p:extLst>
+    <p:ext uri="{EFAFB233-063F-42B5-8137-9DF3F51BA10A}">
+      <p15:sldGuideLst xmlns:p15="http://schemas.microsoft.com/office/powerpoint/2012/main"/>
+    </p:ext>
+  </p:extLst>
 </p:presentation>
 </file>
 
@@ -3911,6 +3930,879 @@
 </p:sld>
 </file>
 
+<file path=ppt/slides/slide10.xml><?xml version="1.0" encoding="utf-8"?>
+<p:sld xmlns:a="http://schemas.openxmlformats.org/drawingml/2006/main" xmlns:r="http://schemas.openxmlformats.org/officeDocument/2006/relationships" xmlns:p="http://schemas.openxmlformats.org/presentationml/2006/main">
+  <p:cSld>
+    <p:spTree>
+      <p:nvGrpSpPr>
+        <p:cNvPr id="1" name=""/>
+        <p:cNvGrpSpPr/>
+        <p:nvPr/>
+      </p:nvGrpSpPr>
+      <p:grpSpPr>
+        <a:xfrm>
+          <a:off x="0" y="0"/>
+          <a:ext cx="0" cy="0"/>
+          <a:chOff x="0" y="0"/>
+          <a:chExt cx="0" cy="0"/>
+        </a:xfrm>
+      </p:grpSpPr>
+      <p:pic>
+        <p:nvPicPr>
+          <p:cNvPr id="3" name="รูปภาพ 2" descr="รูปภาพประกอบด้วย ข้อความ, โต๊ะ&#10;&#10;คำอธิบายที่สร้างโดยอัตโนมัติ">
+            <a:extLst>
+              <a:ext uri="{FF2B5EF4-FFF2-40B4-BE49-F238E27FC236}">
+                <a16:creationId xmlns:a16="http://schemas.microsoft.com/office/drawing/2014/main" id="{AA95A7DE-2955-C0A3-F753-C0349985004E}"/>
+              </a:ext>
+            </a:extLst>
+          </p:cNvPr>
+          <p:cNvPicPr>
+            <a:picLocks noChangeAspect="1"/>
+          </p:cNvPicPr>
+          <p:nvPr/>
+        </p:nvPicPr>
+        <p:blipFill rotWithShape="1">
+          <a:blip r:embed="rId2">
+            <a:extLst>
+              <a:ext uri="{28A0092B-C50C-407E-A947-70E740481C1C}">
+                <a14:useLocalDpi xmlns:a14="http://schemas.microsoft.com/office/drawing/2010/main" val="0"/>
+              </a:ext>
+            </a:extLst>
+          </a:blip>
+          <a:srcRect r="16010"/>
+          <a:stretch/>
+        </p:blipFill>
+        <p:spPr>
+          <a:xfrm>
+            <a:off x="1623747" y="1353488"/>
+            <a:ext cx="6096895" cy="3305636"/>
+          </a:xfrm>
+          <a:prstGeom prst="rect">
+            <a:avLst/>
+          </a:prstGeom>
+          <a:ln>
+            <a:solidFill>
+              <a:srgbClr val="002060"/>
+            </a:solidFill>
+          </a:ln>
+        </p:spPr>
+      </p:pic>
+    </p:spTree>
+    <p:extLst>
+      <p:ext uri="{BB962C8B-B14F-4D97-AF65-F5344CB8AC3E}">
+        <p14:creationId xmlns:p14="http://schemas.microsoft.com/office/powerpoint/2010/main" val="845883618"/>
+      </p:ext>
+    </p:extLst>
+  </p:cSld>
+  <p:clrMapOvr>
+    <a:masterClrMapping/>
+  </p:clrMapOvr>
+</p:sld>
+</file>
+
+<file path=ppt/slides/slide11.xml><?xml version="1.0" encoding="utf-8"?>
+<p:sld xmlns:a="http://schemas.openxmlformats.org/drawingml/2006/main" xmlns:r="http://schemas.openxmlformats.org/officeDocument/2006/relationships" xmlns:p="http://schemas.openxmlformats.org/presentationml/2006/main">
+  <p:cSld>
+    <p:spTree>
+      <p:nvGrpSpPr>
+        <p:cNvPr id="1" name=""/>
+        <p:cNvGrpSpPr/>
+        <p:nvPr/>
+      </p:nvGrpSpPr>
+      <p:grpSpPr>
+        <a:xfrm>
+          <a:off x="0" y="0"/>
+          <a:ext cx="0" cy="0"/>
+          <a:chOff x="0" y="0"/>
+          <a:chExt cx="0" cy="0"/>
+        </a:xfrm>
+      </p:grpSpPr>
+      <p:pic>
+        <p:nvPicPr>
+          <p:cNvPr id="3" name="รูปภาพ 2">
+            <a:extLst>
+              <a:ext uri="{FF2B5EF4-FFF2-40B4-BE49-F238E27FC236}">
+                <a16:creationId xmlns:a16="http://schemas.microsoft.com/office/drawing/2014/main" id="{94D7EF66-8542-6179-DC7C-D8C22E45E1E3}"/>
+              </a:ext>
+            </a:extLst>
+          </p:cNvPr>
+          <p:cNvPicPr>
+            <a:picLocks noChangeAspect="1"/>
+          </p:cNvPicPr>
+          <p:nvPr/>
+        </p:nvPicPr>
+        <p:blipFill>
+          <a:blip r:embed="rId2">
+            <a:extLst>
+              <a:ext uri="{28A0092B-C50C-407E-A947-70E740481C1C}">
+                <a14:useLocalDpi xmlns:a14="http://schemas.microsoft.com/office/drawing/2010/main" val="0"/>
+              </a:ext>
+            </a:extLst>
+          </a:blip>
+          <a:stretch>
+            <a:fillRect/>
+          </a:stretch>
+        </p:blipFill>
+        <p:spPr>
+          <a:xfrm>
+            <a:off x="1636400" y="0"/>
+            <a:ext cx="8919199" cy="6858000"/>
+          </a:xfrm>
+          <a:prstGeom prst="rect">
+            <a:avLst/>
+          </a:prstGeom>
+          <a:ln>
+            <a:solidFill>
+              <a:srgbClr val="002060"/>
+            </a:solidFill>
+          </a:ln>
+        </p:spPr>
+      </p:pic>
+    </p:spTree>
+    <p:extLst>
+      <p:ext uri="{BB962C8B-B14F-4D97-AF65-F5344CB8AC3E}">
+        <p14:creationId xmlns:p14="http://schemas.microsoft.com/office/powerpoint/2010/main" val="3043045591"/>
+      </p:ext>
+    </p:extLst>
+  </p:cSld>
+  <p:clrMapOvr>
+    <a:masterClrMapping/>
+  </p:clrMapOvr>
+</p:sld>
+</file>
+
+<file path=ppt/slides/slide12.xml><?xml version="1.0" encoding="utf-8"?>
+<p:sld xmlns:a="http://schemas.openxmlformats.org/drawingml/2006/main" xmlns:r="http://schemas.openxmlformats.org/officeDocument/2006/relationships" xmlns:p="http://schemas.openxmlformats.org/presentationml/2006/main">
+  <p:cSld>
+    <p:spTree>
+      <p:nvGrpSpPr>
+        <p:cNvPr id="1" name=""/>
+        <p:cNvGrpSpPr/>
+        <p:nvPr/>
+      </p:nvGrpSpPr>
+      <p:grpSpPr>
+        <a:xfrm>
+          <a:off x="0" y="0"/>
+          <a:ext cx="0" cy="0"/>
+          <a:chOff x="0" y="0"/>
+          <a:chExt cx="0" cy="0"/>
+        </a:xfrm>
+      </p:grpSpPr>
+      <p:sp>
+        <p:nvSpPr>
+          <p:cNvPr id="5" name="สี่เหลี่ยมผืนผ้า 4">
+            <a:extLst>
+              <a:ext uri="{FF2B5EF4-FFF2-40B4-BE49-F238E27FC236}">
+                <a16:creationId xmlns:a16="http://schemas.microsoft.com/office/drawing/2014/main" id="{31A51F68-A0AF-DA91-D2C3-3906747C5ABD}"/>
+              </a:ext>
+            </a:extLst>
+          </p:cNvPr>
+          <p:cNvSpPr/>
+          <p:nvPr/>
+        </p:nvSpPr>
+        <p:spPr>
+          <a:xfrm>
+            <a:off x="1587260" y="1558072"/>
+            <a:ext cx="9023231" cy="3876570"/>
+          </a:xfrm>
+          <a:prstGeom prst="rect">
+            <a:avLst/>
+          </a:prstGeom>
+          <a:solidFill>
+            <a:schemeClr val="bg1"/>
+          </a:solidFill>
+        </p:spPr>
+        <p:style>
+          <a:lnRef idx="2">
+            <a:schemeClr val="accent1">
+              <a:shade val="50000"/>
+            </a:schemeClr>
+          </a:lnRef>
+          <a:fillRef idx="1">
+            <a:schemeClr val="accent1"/>
+          </a:fillRef>
+          <a:effectRef idx="0">
+            <a:schemeClr val="accent1"/>
+          </a:effectRef>
+          <a:fontRef idx="minor">
+            <a:schemeClr val="lt1"/>
+          </a:fontRef>
+        </p:style>
+        <p:txBody>
+          <a:bodyPr rtlCol="0" anchor="ctr"/>
+          <a:lstStyle/>
+          <a:p>
+            <a:pPr algn="ctr"/>
+            <a:endParaRPr lang="th-TH"/>
+          </a:p>
+        </p:txBody>
+      </p:sp>
+      <p:pic>
+        <p:nvPicPr>
+          <p:cNvPr id="2" name="รูปภาพ 1">
+            <a:extLst>
+              <a:ext uri="{FF2B5EF4-FFF2-40B4-BE49-F238E27FC236}">
+                <a16:creationId xmlns:a16="http://schemas.microsoft.com/office/drawing/2014/main" id="{930B3B12-C604-D071-1C8A-93BE8552BE4A}"/>
+              </a:ext>
+            </a:extLst>
+          </p:cNvPr>
+          <p:cNvPicPr>
+            <a:picLocks noChangeAspect="1"/>
+          </p:cNvPicPr>
+          <p:nvPr/>
+        </p:nvPicPr>
+        <p:blipFill>
+          <a:blip r:embed="rId2"/>
+          <a:stretch>
+            <a:fillRect/>
+          </a:stretch>
+        </p:blipFill>
+        <p:spPr>
+          <a:xfrm>
+            <a:off x="5988378" y="2685068"/>
+            <a:ext cx="4419600" cy="1676400"/>
+          </a:xfrm>
+          <a:prstGeom prst="rect">
+            <a:avLst/>
+          </a:prstGeom>
+        </p:spPr>
+      </p:pic>
+      <p:pic>
+        <p:nvPicPr>
+          <p:cNvPr id="4" name="รูปภาพ 3" descr="รูปภาพประกอบด้วย โต๊ะ&#10;&#10;คำอธิบายที่สร้างโดยอัตโนมัติ">
+            <a:extLst>
+              <a:ext uri="{FF2B5EF4-FFF2-40B4-BE49-F238E27FC236}">
+                <a16:creationId xmlns:a16="http://schemas.microsoft.com/office/drawing/2014/main" id="{A958B7B6-F6B1-F8C3-874B-D6F3C137A259}"/>
+              </a:ext>
+            </a:extLst>
+          </p:cNvPr>
+          <p:cNvPicPr>
+            <a:picLocks noChangeAspect="1"/>
+          </p:cNvPicPr>
+          <p:nvPr/>
+        </p:nvPicPr>
+        <p:blipFill>
+          <a:blip r:embed="rId3">
+            <a:extLst>
+              <a:ext uri="{28A0092B-C50C-407E-A947-70E740481C1C}">
+                <a14:useLocalDpi xmlns:a14="http://schemas.microsoft.com/office/drawing/2010/main" val="0"/>
+              </a:ext>
+            </a:extLst>
+          </a:blip>
+          <a:stretch>
+            <a:fillRect/>
+          </a:stretch>
+        </p:blipFill>
+        <p:spPr>
+          <a:xfrm>
+            <a:off x="1784022" y="1746607"/>
+            <a:ext cx="3524742" cy="3553321"/>
+          </a:xfrm>
+          <a:prstGeom prst="rect">
+            <a:avLst/>
+          </a:prstGeom>
+        </p:spPr>
+      </p:pic>
+    </p:spTree>
+    <p:extLst>
+      <p:ext uri="{BB962C8B-B14F-4D97-AF65-F5344CB8AC3E}">
+        <p14:creationId xmlns:p14="http://schemas.microsoft.com/office/powerpoint/2010/main" val="1055386764"/>
+      </p:ext>
+    </p:extLst>
+  </p:cSld>
+  <p:clrMapOvr>
+    <a:masterClrMapping/>
+  </p:clrMapOvr>
+</p:sld>
+</file>
+
+<file path=ppt/slides/slide13.xml><?xml version="1.0" encoding="utf-8"?>
+<p:sld xmlns:a="http://schemas.openxmlformats.org/drawingml/2006/main" xmlns:r="http://schemas.openxmlformats.org/officeDocument/2006/relationships" xmlns:p="http://schemas.openxmlformats.org/presentationml/2006/main">
+  <p:cSld>
+    <p:spTree>
+      <p:nvGrpSpPr>
+        <p:cNvPr id="1" name=""/>
+        <p:cNvGrpSpPr/>
+        <p:nvPr/>
+      </p:nvGrpSpPr>
+      <p:grpSpPr>
+        <a:xfrm>
+          <a:off x="0" y="0"/>
+          <a:ext cx="0" cy="0"/>
+          <a:chOff x="0" y="0"/>
+          <a:chExt cx="0" cy="0"/>
+        </a:xfrm>
+      </p:grpSpPr>
+      <p:pic>
+        <p:nvPicPr>
+          <p:cNvPr id="2" name="รูปภาพ 1">
+            <a:extLst>
+              <a:ext uri="{FF2B5EF4-FFF2-40B4-BE49-F238E27FC236}">
+                <a16:creationId xmlns:a16="http://schemas.microsoft.com/office/drawing/2014/main" id="{59DEB132-0785-A512-0174-41B35E804B92}"/>
+              </a:ext>
+            </a:extLst>
+          </p:cNvPr>
+          <p:cNvPicPr>
+            <a:picLocks noChangeAspect="1"/>
+          </p:cNvPicPr>
+          <p:nvPr/>
+        </p:nvPicPr>
+        <p:blipFill>
+          <a:blip r:embed="rId2"/>
+          <a:stretch>
+            <a:fillRect/>
+          </a:stretch>
+        </p:blipFill>
+        <p:spPr>
+          <a:xfrm>
+            <a:off x="3608648" y="2242009"/>
+            <a:ext cx="4314825" cy="1676400"/>
+          </a:xfrm>
+          <a:prstGeom prst="rect">
+            <a:avLst/>
+          </a:prstGeom>
+          <a:ln>
+            <a:solidFill>
+              <a:srgbClr val="002060"/>
+            </a:solidFill>
+          </a:ln>
+        </p:spPr>
+      </p:pic>
+    </p:spTree>
+    <p:extLst>
+      <p:ext uri="{BB962C8B-B14F-4D97-AF65-F5344CB8AC3E}">
+        <p14:creationId xmlns:p14="http://schemas.microsoft.com/office/powerpoint/2010/main" val="2560322456"/>
+      </p:ext>
+    </p:extLst>
+  </p:cSld>
+  <p:clrMapOvr>
+    <a:masterClrMapping/>
+  </p:clrMapOvr>
+</p:sld>
+</file>
+
+<file path=ppt/slides/slide14.xml><?xml version="1.0" encoding="utf-8"?>
+<p:sld xmlns:a="http://schemas.openxmlformats.org/drawingml/2006/main" xmlns:r="http://schemas.openxmlformats.org/officeDocument/2006/relationships" xmlns:p="http://schemas.openxmlformats.org/presentationml/2006/main">
+  <p:cSld>
+    <p:spTree>
+      <p:nvGrpSpPr>
+        <p:cNvPr id="1" name=""/>
+        <p:cNvGrpSpPr/>
+        <p:nvPr/>
+      </p:nvGrpSpPr>
+      <p:grpSpPr>
+        <a:xfrm>
+          <a:off x="0" y="0"/>
+          <a:ext cx="0" cy="0"/>
+          <a:chOff x="0" y="0"/>
+          <a:chExt cx="0" cy="0"/>
+        </a:xfrm>
+      </p:grpSpPr>
+      <p:pic>
+        <p:nvPicPr>
+          <p:cNvPr id="3" name="รูปภาพ 2" descr="รูปภาพประกอบด้วย โต๊ะ&#10;&#10;คำอธิบายที่สร้างโดยอัตโนมัติ">
+            <a:extLst>
+              <a:ext uri="{FF2B5EF4-FFF2-40B4-BE49-F238E27FC236}">
+                <a16:creationId xmlns:a16="http://schemas.microsoft.com/office/drawing/2014/main" id="{0E286E8F-8377-8EA8-993C-A3E7A56B38F1}"/>
+              </a:ext>
+            </a:extLst>
+          </p:cNvPr>
+          <p:cNvPicPr>
+            <a:picLocks noChangeAspect="1"/>
+          </p:cNvPicPr>
+          <p:nvPr/>
+        </p:nvPicPr>
+        <p:blipFill>
+          <a:blip r:embed="rId2">
+            <a:extLst>
+              <a:ext uri="{28A0092B-C50C-407E-A947-70E740481C1C}">
+                <a14:useLocalDpi xmlns:a14="http://schemas.microsoft.com/office/drawing/2010/main" val="0"/>
+              </a:ext>
+            </a:extLst>
+          </a:blip>
+          <a:stretch>
+            <a:fillRect/>
+          </a:stretch>
+        </p:blipFill>
+        <p:spPr>
+          <a:xfrm>
+            <a:off x="4362208" y="799733"/>
+            <a:ext cx="3467584" cy="5258534"/>
+          </a:xfrm>
+          <a:prstGeom prst="rect">
+            <a:avLst/>
+          </a:prstGeom>
+          <a:ln>
+            <a:solidFill>
+              <a:srgbClr val="002060"/>
+            </a:solidFill>
+          </a:ln>
+        </p:spPr>
+      </p:pic>
+    </p:spTree>
+    <p:extLst>
+      <p:ext uri="{BB962C8B-B14F-4D97-AF65-F5344CB8AC3E}">
+        <p14:creationId xmlns:p14="http://schemas.microsoft.com/office/powerpoint/2010/main" val="1164777728"/>
+      </p:ext>
+    </p:extLst>
+  </p:cSld>
+  <p:clrMapOvr>
+    <a:masterClrMapping/>
+  </p:clrMapOvr>
+</p:sld>
+</file>
+
+<file path=ppt/slides/slide15.xml><?xml version="1.0" encoding="utf-8"?>
+<p:sld xmlns:a="http://schemas.openxmlformats.org/drawingml/2006/main" xmlns:r="http://schemas.openxmlformats.org/officeDocument/2006/relationships" xmlns:p="http://schemas.openxmlformats.org/presentationml/2006/main">
+  <p:cSld>
+    <p:spTree>
+      <p:nvGrpSpPr>
+        <p:cNvPr id="1" name=""/>
+        <p:cNvGrpSpPr/>
+        <p:nvPr/>
+      </p:nvGrpSpPr>
+      <p:grpSpPr>
+        <a:xfrm>
+          <a:off x="0" y="0"/>
+          <a:ext cx="0" cy="0"/>
+          <a:chOff x="0" y="0"/>
+          <a:chExt cx="0" cy="0"/>
+        </a:xfrm>
+      </p:grpSpPr>
+      <p:sp>
+        <p:nvSpPr>
+          <p:cNvPr id="5" name="สี่เหลี่ยมผืนผ้า 4">
+            <a:extLst>
+              <a:ext uri="{FF2B5EF4-FFF2-40B4-BE49-F238E27FC236}">
+                <a16:creationId xmlns:a16="http://schemas.microsoft.com/office/drawing/2014/main" id="{CAC06E5E-68AB-5D68-6A60-94455D7B9C3F}"/>
+              </a:ext>
+            </a:extLst>
+          </p:cNvPr>
+          <p:cNvSpPr/>
+          <p:nvPr/>
+        </p:nvSpPr>
+        <p:spPr>
+          <a:xfrm>
+            <a:off x="465826" y="1561381"/>
+            <a:ext cx="10619117" cy="3252159"/>
+          </a:xfrm>
+          <a:prstGeom prst="rect">
+            <a:avLst/>
+          </a:prstGeom>
+          <a:solidFill>
+            <a:schemeClr val="bg1"/>
+          </a:solidFill>
+        </p:spPr>
+        <p:style>
+          <a:lnRef idx="2">
+            <a:schemeClr val="accent1">
+              <a:shade val="50000"/>
+            </a:schemeClr>
+          </a:lnRef>
+          <a:fillRef idx="1">
+            <a:schemeClr val="accent1"/>
+          </a:fillRef>
+          <a:effectRef idx="0">
+            <a:schemeClr val="accent1"/>
+          </a:effectRef>
+          <a:fontRef idx="minor">
+            <a:schemeClr val="lt1"/>
+          </a:fontRef>
+        </p:style>
+        <p:txBody>
+          <a:bodyPr rtlCol="0" anchor="ctr"/>
+          <a:lstStyle/>
+          <a:p>
+            <a:pPr algn="ctr"/>
+            <a:endParaRPr lang="th-TH"/>
+          </a:p>
+        </p:txBody>
+      </p:sp>
+      <p:pic>
+        <p:nvPicPr>
+          <p:cNvPr id="2" name="รูปภาพ 1">
+            <a:extLst>
+              <a:ext uri="{FF2B5EF4-FFF2-40B4-BE49-F238E27FC236}">
+                <a16:creationId xmlns:a16="http://schemas.microsoft.com/office/drawing/2014/main" id="{76B69FE8-7527-6E7E-6AD4-663F97188423}"/>
+              </a:ext>
+            </a:extLst>
+          </p:cNvPr>
+          <p:cNvPicPr>
+            <a:picLocks noChangeAspect="1"/>
+          </p:cNvPicPr>
+          <p:nvPr/>
+        </p:nvPicPr>
+        <p:blipFill>
+          <a:blip r:embed="rId2"/>
+          <a:stretch>
+            <a:fillRect/>
+          </a:stretch>
+        </p:blipFill>
+        <p:spPr>
+          <a:xfrm>
+            <a:off x="838985" y="2033123"/>
+            <a:ext cx="6088072" cy="2252692"/>
+          </a:xfrm>
+          <a:prstGeom prst="rect">
+            <a:avLst/>
+          </a:prstGeom>
+        </p:spPr>
+      </p:pic>
+      <p:pic>
+        <p:nvPicPr>
+          <p:cNvPr id="4" name="รูปภาพ 3" descr="รูปภาพประกอบด้วย โต๊ะ&#10;&#10;คำอธิบายที่สร้างโดยอัตโนมัติ">
+            <a:extLst>
+              <a:ext uri="{FF2B5EF4-FFF2-40B4-BE49-F238E27FC236}">
+                <a16:creationId xmlns:a16="http://schemas.microsoft.com/office/drawing/2014/main" id="{ADFD0417-A794-EEDA-9423-B43FDC4B34AF}"/>
+              </a:ext>
+            </a:extLst>
+          </p:cNvPr>
+          <p:cNvPicPr>
+            <a:picLocks noChangeAspect="1"/>
+          </p:cNvPicPr>
+          <p:nvPr/>
+        </p:nvPicPr>
+        <p:blipFill>
+          <a:blip r:embed="rId3">
+            <a:extLst>
+              <a:ext uri="{28A0092B-C50C-407E-A947-70E740481C1C}">
+                <a14:useLocalDpi xmlns:a14="http://schemas.microsoft.com/office/drawing/2010/main" val="0"/>
+              </a:ext>
+            </a:extLst>
+          </a:blip>
+          <a:stretch>
+            <a:fillRect/>
+          </a:stretch>
+        </p:blipFill>
+        <p:spPr>
+          <a:xfrm>
+            <a:off x="8099302" y="1883061"/>
+            <a:ext cx="2686425" cy="2695951"/>
+          </a:xfrm>
+          <a:prstGeom prst="rect">
+            <a:avLst/>
+          </a:prstGeom>
+        </p:spPr>
+      </p:pic>
+    </p:spTree>
+    <p:extLst>
+      <p:ext uri="{BB962C8B-B14F-4D97-AF65-F5344CB8AC3E}">
+        <p14:creationId xmlns:p14="http://schemas.microsoft.com/office/powerpoint/2010/main" val="265441314"/>
+      </p:ext>
+    </p:extLst>
+  </p:cSld>
+  <p:clrMapOvr>
+    <a:masterClrMapping/>
+  </p:clrMapOvr>
+</p:sld>
+</file>
+
+<file path=ppt/slides/slide16.xml><?xml version="1.0" encoding="utf-8"?>
+<p:sld xmlns:a="http://schemas.openxmlformats.org/drawingml/2006/main" xmlns:r="http://schemas.openxmlformats.org/officeDocument/2006/relationships" xmlns:p="http://schemas.openxmlformats.org/presentationml/2006/main">
+  <p:cSld>
+    <p:spTree>
+      <p:nvGrpSpPr>
+        <p:cNvPr id="1" name=""/>
+        <p:cNvGrpSpPr/>
+        <p:nvPr/>
+      </p:nvGrpSpPr>
+      <p:grpSpPr>
+        <a:xfrm>
+          <a:off x="0" y="0"/>
+          <a:ext cx="0" cy="0"/>
+          <a:chOff x="0" y="0"/>
+          <a:chExt cx="0" cy="0"/>
+        </a:xfrm>
+      </p:grpSpPr>
+      <p:sp>
+        <p:nvSpPr>
+          <p:cNvPr id="5" name="สี่เหลี่ยมผืนผ้า 4">
+            <a:extLst>
+              <a:ext uri="{FF2B5EF4-FFF2-40B4-BE49-F238E27FC236}">
+                <a16:creationId xmlns:a16="http://schemas.microsoft.com/office/drawing/2014/main" id="{7950E647-EC55-3301-73B4-D45558D147F4}"/>
+              </a:ext>
+            </a:extLst>
+          </p:cNvPr>
+          <p:cNvSpPr/>
+          <p:nvPr/>
+        </p:nvSpPr>
+        <p:spPr>
+          <a:xfrm>
+            <a:off x="471340" y="1508289"/>
+            <a:ext cx="9351390" cy="3365369"/>
+          </a:xfrm>
+          <a:prstGeom prst="rect">
+            <a:avLst/>
+          </a:prstGeom>
+          <a:solidFill>
+            <a:schemeClr val="bg1"/>
+          </a:solidFill>
+        </p:spPr>
+        <p:style>
+          <a:lnRef idx="2">
+            <a:schemeClr val="accent1">
+              <a:shade val="50000"/>
+            </a:schemeClr>
+          </a:lnRef>
+          <a:fillRef idx="1">
+            <a:schemeClr val="accent1"/>
+          </a:fillRef>
+          <a:effectRef idx="0">
+            <a:schemeClr val="accent1"/>
+          </a:effectRef>
+          <a:fontRef idx="minor">
+            <a:schemeClr val="lt1"/>
+          </a:fontRef>
+        </p:style>
+        <p:txBody>
+          <a:bodyPr rtlCol="0" anchor="ctr"/>
+          <a:lstStyle/>
+          <a:p>
+            <a:pPr algn="ctr"/>
+            <a:endParaRPr lang="th-TH"/>
+          </a:p>
+        </p:txBody>
+      </p:sp>
+      <p:pic>
+        <p:nvPicPr>
+          <p:cNvPr id="2" name="Picture 2">
+            <a:extLst>
+              <a:ext uri="{FF2B5EF4-FFF2-40B4-BE49-F238E27FC236}">
+                <a16:creationId xmlns:a16="http://schemas.microsoft.com/office/drawing/2014/main" id="{5F0211EB-709C-035C-CA2A-A76DFA0FD100}"/>
+              </a:ext>
+            </a:extLst>
+          </p:cNvPr>
+          <p:cNvPicPr>
+            <a:picLocks noChangeAspect="1" noChangeArrowheads="1"/>
+          </p:cNvPicPr>
+          <p:nvPr/>
+        </p:nvPicPr>
+        <p:blipFill>
+          <a:blip r:embed="rId2" cstate="print"/>
+          <a:srcRect/>
+          <a:stretch>
+            <a:fillRect/>
+          </a:stretch>
+        </p:blipFill>
+        <p:spPr bwMode="auto">
+          <a:xfrm>
+            <a:off x="716060" y="2219325"/>
+            <a:ext cx="5779008" cy="2079133"/>
+          </a:xfrm>
+          <a:prstGeom prst="rect">
+            <a:avLst/>
+          </a:prstGeom>
+          <a:noFill/>
+          <a:ln w="9525">
+            <a:noFill/>
+            <a:miter lim="800000"/>
+            <a:headEnd/>
+            <a:tailEnd/>
+          </a:ln>
+          <a:effectLst/>
+        </p:spPr>
+      </p:pic>
+      <p:pic>
+        <p:nvPicPr>
+          <p:cNvPr id="4" name="รูปภาพ 3" descr="รูปภาพประกอบด้วย ข้อความ&#10;&#10;คำอธิบายที่สร้างโดยอัตโนมัติ">
+            <a:extLst>
+              <a:ext uri="{FF2B5EF4-FFF2-40B4-BE49-F238E27FC236}">
+                <a16:creationId xmlns:a16="http://schemas.microsoft.com/office/drawing/2014/main" id="{F4810EA7-D06C-8C95-E4B6-E57B6691E4B1}"/>
+              </a:ext>
+            </a:extLst>
+          </p:cNvPr>
+          <p:cNvPicPr>
+            <a:picLocks noChangeAspect="1"/>
+          </p:cNvPicPr>
+          <p:nvPr/>
+        </p:nvPicPr>
+        <p:blipFill>
+          <a:blip r:embed="rId3">
+            <a:extLst>
+              <a:ext uri="{28A0092B-C50C-407E-A947-70E740481C1C}">
+                <a14:useLocalDpi xmlns:a14="http://schemas.microsoft.com/office/drawing/2010/main" val="0"/>
+              </a:ext>
+            </a:extLst>
+          </a:blip>
+          <a:stretch>
+            <a:fillRect/>
+          </a:stretch>
+        </p:blipFill>
+        <p:spPr>
+          <a:xfrm>
+            <a:off x="7323731" y="1996382"/>
+            <a:ext cx="2276793" cy="2657846"/>
+          </a:xfrm>
+          <a:prstGeom prst="rect">
+            <a:avLst/>
+          </a:prstGeom>
+        </p:spPr>
+      </p:pic>
+    </p:spTree>
+    <p:extLst>
+      <p:ext uri="{BB962C8B-B14F-4D97-AF65-F5344CB8AC3E}">
+        <p14:creationId xmlns:p14="http://schemas.microsoft.com/office/powerpoint/2010/main" val="746054071"/>
+      </p:ext>
+    </p:extLst>
+  </p:cSld>
+  <p:clrMapOvr>
+    <a:masterClrMapping/>
+  </p:clrMapOvr>
+</p:sld>
+</file>
+
+<file path=ppt/slides/slide17.xml><?xml version="1.0" encoding="utf-8"?>
+<p:sld xmlns:a="http://schemas.openxmlformats.org/drawingml/2006/main" xmlns:r="http://schemas.openxmlformats.org/officeDocument/2006/relationships" xmlns:p="http://schemas.openxmlformats.org/presentationml/2006/main">
+  <p:cSld>
+    <p:spTree>
+      <p:nvGrpSpPr>
+        <p:cNvPr id="1" name=""/>
+        <p:cNvGrpSpPr/>
+        <p:nvPr/>
+      </p:nvGrpSpPr>
+      <p:grpSpPr>
+        <a:xfrm>
+          <a:off x="0" y="0"/>
+          <a:ext cx="0" cy="0"/>
+          <a:chOff x="0" y="0"/>
+          <a:chExt cx="0" cy="0"/>
+        </a:xfrm>
+      </p:grpSpPr>
+      <p:sp>
+        <p:nvSpPr>
+          <p:cNvPr id="5" name="สี่เหลี่ยมผืนผ้า 4">
+            <a:extLst>
+              <a:ext uri="{FF2B5EF4-FFF2-40B4-BE49-F238E27FC236}">
+                <a16:creationId xmlns:a16="http://schemas.microsoft.com/office/drawing/2014/main" id="{626D0232-6DE7-FE17-FA4E-BB31D06081D5}"/>
+              </a:ext>
+            </a:extLst>
+          </p:cNvPr>
+          <p:cNvSpPr/>
+          <p:nvPr/>
+        </p:nvSpPr>
+        <p:spPr>
+          <a:xfrm>
+            <a:off x="1168923" y="1960775"/>
+            <a:ext cx="9059159" cy="3516198"/>
+          </a:xfrm>
+          <a:prstGeom prst="rect">
+            <a:avLst/>
+          </a:prstGeom>
+          <a:solidFill>
+            <a:schemeClr val="bg1"/>
+          </a:solidFill>
+        </p:spPr>
+        <p:style>
+          <a:lnRef idx="2">
+            <a:schemeClr val="accent1">
+              <a:shade val="50000"/>
+            </a:schemeClr>
+          </a:lnRef>
+          <a:fillRef idx="1">
+            <a:schemeClr val="accent1"/>
+          </a:fillRef>
+          <a:effectRef idx="0">
+            <a:schemeClr val="accent1"/>
+          </a:effectRef>
+          <a:fontRef idx="minor">
+            <a:schemeClr val="lt1"/>
+          </a:fontRef>
+        </p:style>
+        <p:txBody>
+          <a:bodyPr rtlCol="0" anchor="ctr"/>
+          <a:lstStyle/>
+          <a:p>
+            <a:pPr algn="ctr"/>
+            <a:endParaRPr lang="th-TH"/>
+          </a:p>
+        </p:txBody>
+      </p:sp>
+      <p:pic>
+        <p:nvPicPr>
+          <p:cNvPr id="2" name="Picture 2">
+            <a:extLst>
+              <a:ext uri="{FF2B5EF4-FFF2-40B4-BE49-F238E27FC236}">
+                <a16:creationId xmlns:a16="http://schemas.microsoft.com/office/drawing/2014/main" id="{4576D15C-42BD-9F72-00F1-5FD06415861D}"/>
+              </a:ext>
+            </a:extLst>
+          </p:cNvPr>
+          <p:cNvPicPr>
+            <a:picLocks noChangeAspect="1" noChangeArrowheads="1"/>
+          </p:cNvPicPr>
+          <p:nvPr/>
+        </p:nvPicPr>
+        <p:blipFill>
+          <a:blip r:embed="rId2" cstate="print"/>
+          <a:stretch>
+            <a:fillRect/>
+          </a:stretch>
+        </p:blipFill>
+        <p:spPr bwMode="auto">
+          <a:xfrm>
+            <a:off x="1384178" y="2529808"/>
+            <a:ext cx="5219700" cy="2419350"/>
+          </a:xfrm>
+          <a:prstGeom prst="rect">
+            <a:avLst/>
+          </a:prstGeom>
+          <a:noFill/>
+          <a:ln w="9525">
+            <a:noFill/>
+            <a:miter lim="800000"/>
+            <a:headEnd/>
+            <a:tailEnd/>
+          </a:ln>
+          <a:effectLst/>
+        </p:spPr>
+      </p:pic>
+      <p:pic>
+        <p:nvPicPr>
+          <p:cNvPr id="4" name="รูปภาพ 3" descr="รูปภาพประกอบด้วย ข้อความ&#10;&#10;คำอธิบายที่สร้างโดยอัตโนมัติ">
+            <a:extLst>
+              <a:ext uri="{FF2B5EF4-FFF2-40B4-BE49-F238E27FC236}">
+                <a16:creationId xmlns:a16="http://schemas.microsoft.com/office/drawing/2014/main" id="{653ED4DA-9472-EB7C-CA81-CA17C8E16CC9}"/>
+              </a:ext>
+            </a:extLst>
+          </p:cNvPr>
+          <p:cNvPicPr>
+            <a:picLocks noChangeAspect="1"/>
+          </p:cNvPicPr>
+          <p:nvPr/>
+        </p:nvPicPr>
+        <p:blipFill rotWithShape="1">
+          <a:blip r:embed="rId3">
+            <a:extLst>
+              <a:ext uri="{28A0092B-C50C-407E-A947-70E740481C1C}">
+                <a14:useLocalDpi xmlns:a14="http://schemas.microsoft.com/office/drawing/2010/main" val="0"/>
+              </a:ext>
+            </a:extLst>
+          </a:blip>
+          <a:srcRect r="23751"/>
+          <a:stretch/>
+        </p:blipFill>
+        <p:spPr>
+          <a:xfrm>
+            <a:off x="7441289" y="2248612"/>
+            <a:ext cx="2607684" cy="2981741"/>
+          </a:xfrm>
+          <a:prstGeom prst="rect">
+            <a:avLst/>
+          </a:prstGeom>
+        </p:spPr>
+      </p:pic>
+    </p:spTree>
+    <p:extLst>
+      <p:ext uri="{BB962C8B-B14F-4D97-AF65-F5344CB8AC3E}">
+        <p14:creationId xmlns:p14="http://schemas.microsoft.com/office/powerpoint/2010/main" val="3919248692"/>
+      </p:ext>
+    </p:extLst>
+  </p:cSld>
+  <p:clrMapOvr>
+    <a:masterClrMapping/>
+  </p:clrMapOvr>
+</p:sld>
+</file>
+
 <file path=ppt/slides/slide2.xml><?xml version="1.0" encoding="utf-8"?>
 <p:sld xmlns:a="http://schemas.openxmlformats.org/drawingml/2006/main" xmlns:r="http://schemas.openxmlformats.org/officeDocument/2006/relationships" xmlns:p="http://schemas.openxmlformats.org/presentationml/2006/main">
   <p:cSld>
@@ -3962,6 +4854,11 @@
           <a:prstGeom prst="rect">
             <a:avLst/>
           </a:prstGeom>
+          <a:ln>
+            <a:solidFill>
+              <a:srgbClr val="002060"/>
+            </a:solidFill>
+          </a:ln>
         </p:spPr>
       </p:pic>
       <p:sp>
@@ -4754,6 +5651,13 @@
           <a:prstGeom prst="rect">
             <a:avLst/>
           </a:prstGeom>
+          <a:effectLst>
+            <a:outerShdw blurRad="50800" dist="38100" dir="2700000" algn="tl" rotWithShape="0">
+              <a:prstClr val="black">
+                <a:alpha val="40000"/>
+              </a:prstClr>
+            </a:outerShdw>
+          </a:effectLst>
         </p:spPr>
       </p:pic>
       <p:sp>
@@ -5110,6 +6014,4273 @@
     <p:extLst>
       <p:ext uri="{BB962C8B-B14F-4D97-AF65-F5344CB8AC3E}">
         <p14:creationId xmlns:p14="http://schemas.microsoft.com/office/powerpoint/2010/main" val="3618971457"/>
+      </p:ext>
+    </p:extLst>
+  </p:cSld>
+  <p:clrMapOvr>
+    <a:masterClrMapping/>
+  </p:clrMapOvr>
+</p:sld>
+</file>
+
+<file path=ppt/slides/slide4.xml><?xml version="1.0" encoding="utf-8"?>
+<p:sld xmlns:a="http://schemas.openxmlformats.org/drawingml/2006/main" xmlns:r="http://schemas.openxmlformats.org/officeDocument/2006/relationships" xmlns:p="http://schemas.openxmlformats.org/presentationml/2006/main">
+  <p:cSld>
+    <p:spTree>
+      <p:nvGrpSpPr>
+        <p:cNvPr id="1" name=""/>
+        <p:cNvGrpSpPr/>
+        <p:nvPr/>
+      </p:nvGrpSpPr>
+      <p:grpSpPr>
+        <a:xfrm>
+          <a:off x="0" y="0"/>
+          <a:ext cx="0" cy="0"/>
+          <a:chOff x="0" y="0"/>
+          <a:chExt cx="0" cy="0"/>
+        </a:xfrm>
+      </p:grpSpPr>
+      <p:sp>
+        <p:nvSpPr>
+          <p:cNvPr id="11" name="สี่เหลี่ยมผืนผ้า 10">
+            <a:extLst>
+              <a:ext uri="{FF2B5EF4-FFF2-40B4-BE49-F238E27FC236}">
+                <a16:creationId xmlns:a16="http://schemas.microsoft.com/office/drawing/2014/main" id="{B8041758-A709-DCD2-30CB-FB9681CDD6EA}"/>
+              </a:ext>
+            </a:extLst>
+          </p:cNvPr>
+          <p:cNvSpPr/>
+          <p:nvPr/>
+        </p:nvSpPr>
+        <p:spPr>
+          <a:xfrm>
+            <a:off x="1276709" y="1035170"/>
+            <a:ext cx="10627744" cy="5167222"/>
+          </a:xfrm>
+          <a:prstGeom prst="rect">
+            <a:avLst/>
+          </a:prstGeom>
+          <a:solidFill>
+            <a:schemeClr val="bg1"/>
+          </a:solidFill>
+          <a:ln>
+            <a:solidFill>
+              <a:srgbClr val="002060"/>
+            </a:solidFill>
+          </a:ln>
+        </p:spPr>
+        <p:style>
+          <a:lnRef idx="2">
+            <a:schemeClr val="accent1">
+              <a:shade val="50000"/>
+            </a:schemeClr>
+          </a:lnRef>
+          <a:fillRef idx="1">
+            <a:schemeClr val="accent1"/>
+          </a:fillRef>
+          <a:effectRef idx="0">
+            <a:schemeClr val="accent1"/>
+          </a:effectRef>
+          <a:fontRef idx="minor">
+            <a:schemeClr val="lt1"/>
+          </a:fontRef>
+        </p:style>
+        <p:txBody>
+          <a:bodyPr rtlCol="0" anchor="ctr"/>
+          <a:lstStyle/>
+          <a:p>
+            <a:pPr algn="ctr"/>
+            <a:endParaRPr lang="th-TH"/>
+          </a:p>
+        </p:txBody>
+      </p:sp>
+      <p:sp>
+        <p:nvSpPr>
+          <p:cNvPr id="2" name="สี่เหลี่ยมผืนผ้า 1">
+            <a:extLst>
+              <a:ext uri="{FF2B5EF4-FFF2-40B4-BE49-F238E27FC236}">
+                <a16:creationId xmlns:a16="http://schemas.microsoft.com/office/drawing/2014/main" id="{3542E945-4602-F4A1-346C-0E056F17E49D}"/>
+              </a:ext>
+            </a:extLst>
+          </p:cNvPr>
+          <p:cNvSpPr/>
+          <p:nvPr/>
+        </p:nvSpPr>
+        <p:spPr>
+          <a:xfrm>
+            <a:off x="1457864" y="1319842"/>
+            <a:ext cx="2061713" cy="586596"/>
+          </a:xfrm>
+          <a:prstGeom prst="rect">
+            <a:avLst/>
+          </a:prstGeom>
+          <a:noFill/>
+          <a:ln w="19050">
+            <a:solidFill>
+              <a:schemeClr val="tx1"/>
+            </a:solidFill>
+          </a:ln>
+        </p:spPr>
+        <p:style>
+          <a:lnRef idx="2">
+            <a:schemeClr val="accent1">
+              <a:shade val="50000"/>
+            </a:schemeClr>
+          </a:lnRef>
+          <a:fillRef idx="1">
+            <a:schemeClr val="accent1"/>
+          </a:fillRef>
+          <a:effectRef idx="0">
+            <a:schemeClr val="accent1"/>
+          </a:effectRef>
+          <a:fontRef idx="minor">
+            <a:schemeClr val="lt1"/>
+          </a:fontRef>
+        </p:style>
+        <p:txBody>
+          <a:bodyPr rtlCol="0" anchor="ctr"/>
+          <a:lstStyle/>
+          <a:p>
+            <a:pPr algn="ctr"/>
+            <a:r>
+              <a:rPr lang="en-US" sz="2000" dirty="0">
+                <a:solidFill>
+                  <a:schemeClr val="tx1"/>
+                </a:solidFill>
+                <a:latin typeface="Consolas" panose="020B0609020204030204" pitchFamily="49" charset="0"/>
+              </a:rPr>
+              <a:t>Class name</a:t>
+            </a:r>
+            <a:endParaRPr lang="th-TH" sz="2000" dirty="0">
+              <a:solidFill>
+                <a:schemeClr val="tx1"/>
+              </a:solidFill>
+              <a:latin typeface="Consolas" panose="020B0609020204030204" pitchFamily="49" charset="0"/>
+            </a:endParaRPr>
+          </a:p>
+        </p:txBody>
+      </p:sp>
+      <p:sp>
+        <p:nvSpPr>
+          <p:cNvPr id="3" name="สี่เหลี่ยมผืนผ้า 2">
+            <a:extLst>
+              <a:ext uri="{FF2B5EF4-FFF2-40B4-BE49-F238E27FC236}">
+                <a16:creationId xmlns:a16="http://schemas.microsoft.com/office/drawing/2014/main" id="{CDD446E9-1FB4-501F-8AF0-8E942DB24241}"/>
+              </a:ext>
+            </a:extLst>
+          </p:cNvPr>
+          <p:cNvSpPr/>
+          <p:nvPr/>
+        </p:nvSpPr>
+        <p:spPr>
+          <a:xfrm>
+            <a:off x="1457864" y="1906438"/>
+            <a:ext cx="2061713" cy="776378"/>
+          </a:xfrm>
+          <a:prstGeom prst="rect">
+            <a:avLst/>
+          </a:prstGeom>
+          <a:noFill/>
+          <a:ln w="19050">
+            <a:solidFill>
+              <a:schemeClr val="tx1"/>
+            </a:solidFill>
+          </a:ln>
+        </p:spPr>
+        <p:style>
+          <a:lnRef idx="2">
+            <a:schemeClr val="accent1">
+              <a:shade val="50000"/>
+            </a:schemeClr>
+          </a:lnRef>
+          <a:fillRef idx="1">
+            <a:schemeClr val="accent1"/>
+          </a:fillRef>
+          <a:effectRef idx="0">
+            <a:schemeClr val="accent1"/>
+          </a:effectRef>
+          <a:fontRef idx="minor">
+            <a:schemeClr val="lt1"/>
+          </a:fontRef>
+        </p:style>
+        <p:txBody>
+          <a:bodyPr rtlCol="0" anchor="ctr"/>
+          <a:lstStyle/>
+          <a:p>
+            <a:pPr algn="ctr"/>
+            <a:r>
+              <a:rPr lang="en-US" sz="2000" dirty="0">
+                <a:solidFill>
+                  <a:schemeClr val="tx1"/>
+                </a:solidFill>
+                <a:latin typeface="Consolas" panose="020B0609020204030204" pitchFamily="49" charset="0"/>
+              </a:rPr>
+              <a:t>Attributes</a:t>
+            </a:r>
+            <a:endParaRPr lang="th-TH" sz="2000" dirty="0">
+              <a:solidFill>
+                <a:schemeClr val="tx1"/>
+              </a:solidFill>
+              <a:latin typeface="Consolas" panose="020B0609020204030204" pitchFamily="49" charset="0"/>
+            </a:endParaRPr>
+          </a:p>
+        </p:txBody>
+      </p:sp>
+      <p:sp>
+        <p:nvSpPr>
+          <p:cNvPr id="4" name="สี่เหลี่ยมผืนผ้า 3">
+            <a:extLst>
+              <a:ext uri="{FF2B5EF4-FFF2-40B4-BE49-F238E27FC236}">
+                <a16:creationId xmlns:a16="http://schemas.microsoft.com/office/drawing/2014/main" id="{8122FEC5-D4A8-7730-5AD4-D0CBB7DFF48B}"/>
+              </a:ext>
+            </a:extLst>
+          </p:cNvPr>
+          <p:cNvSpPr/>
+          <p:nvPr/>
+        </p:nvSpPr>
+        <p:spPr>
+          <a:xfrm>
+            <a:off x="1457864" y="2682816"/>
+            <a:ext cx="2061713" cy="1207698"/>
+          </a:xfrm>
+          <a:prstGeom prst="rect">
+            <a:avLst/>
+          </a:prstGeom>
+          <a:noFill/>
+          <a:ln w="19050">
+            <a:solidFill>
+              <a:schemeClr val="tx1"/>
+            </a:solidFill>
+          </a:ln>
+        </p:spPr>
+        <p:style>
+          <a:lnRef idx="2">
+            <a:schemeClr val="accent1">
+              <a:shade val="50000"/>
+            </a:schemeClr>
+          </a:lnRef>
+          <a:fillRef idx="1">
+            <a:schemeClr val="accent1"/>
+          </a:fillRef>
+          <a:effectRef idx="0">
+            <a:schemeClr val="accent1"/>
+          </a:effectRef>
+          <a:fontRef idx="minor">
+            <a:schemeClr val="lt1"/>
+          </a:fontRef>
+        </p:style>
+        <p:txBody>
+          <a:bodyPr rtlCol="0" anchor="ctr"/>
+          <a:lstStyle/>
+          <a:p>
+            <a:pPr algn="ctr"/>
+            <a:r>
+              <a:rPr lang="en-US" sz="2000" dirty="0">
+                <a:solidFill>
+                  <a:schemeClr val="tx1"/>
+                </a:solidFill>
+                <a:latin typeface="Consolas" panose="020B0609020204030204" pitchFamily="49" charset="0"/>
+              </a:rPr>
+              <a:t>Methods()</a:t>
+            </a:r>
+            <a:endParaRPr lang="th-TH" sz="2000" dirty="0">
+              <a:solidFill>
+                <a:schemeClr val="tx1"/>
+              </a:solidFill>
+              <a:latin typeface="Consolas" panose="020B0609020204030204" pitchFamily="49" charset="0"/>
+            </a:endParaRPr>
+          </a:p>
+        </p:txBody>
+      </p:sp>
+      <p:sp>
+        <p:nvSpPr>
+          <p:cNvPr id="5" name="สี่เหลี่ยมผืนผ้า 4">
+            <a:extLst>
+              <a:ext uri="{FF2B5EF4-FFF2-40B4-BE49-F238E27FC236}">
+                <a16:creationId xmlns:a16="http://schemas.microsoft.com/office/drawing/2014/main" id="{19A88E47-DB2B-92BD-CA13-B46AE7CF63C2}"/>
+              </a:ext>
+            </a:extLst>
+          </p:cNvPr>
+          <p:cNvSpPr/>
+          <p:nvPr/>
+        </p:nvSpPr>
+        <p:spPr>
+          <a:xfrm>
+            <a:off x="4321834" y="1319842"/>
+            <a:ext cx="2432649" cy="586595"/>
+          </a:xfrm>
+          <a:prstGeom prst="rect">
+            <a:avLst/>
+          </a:prstGeom>
+          <a:noFill/>
+          <a:ln w="19050">
+            <a:solidFill>
+              <a:schemeClr val="tx1"/>
+            </a:solidFill>
+          </a:ln>
+        </p:spPr>
+        <p:style>
+          <a:lnRef idx="2">
+            <a:schemeClr val="accent1">
+              <a:shade val="50000"/>
+            </a:schemeClr>
+          </a:lnRef>
+          <a:fillRef idx="1">
+            <a:schemeClr val="accent1"/>
+          </a:fillRef>
+          <a:effectRef idx="0">
+            <a:schemeClr val="accent1"/>
+          </a:effectRef>
+          <a:fontRef idx="minor">
+            <a:schemeClr val="lt1"/>
+          </a:fontRef>
+        </p:style>
+        <p:txBody>
+          <a:bodyPr rtlCol="0" anchor="ctr"/>
+          <a:lstStyle/>
+          <a:p>
+            <a:pPr algn="ctr"/>
+            <a:r>
+              <a:rPr lang="en-US" sz="2000" dirty="0">
+                <a:solidFill>
+                  <a:schemeClr val="tx1"/>
+                </a:solidFill>
+                <a:latin typeface="Consolas" panose="020B0609020204030204" pitchFamily="49" charset="0"/>
+              </a:rPr>
+              <a:t>Book</a:t>
+            </a:r>
+            <a:endParaRPr lang="th-TH" sz="2000" dirty="0">
+              <a:solidFill>
+                <a:schemeClr val="tx1"/>
+              </a:solidFill>
+              <a:latin typeface="Consolas" panose="020B0609020204030204" pitchFamily="49" charset="0"/>
+            </a:endParaRPr>
+          </a:p>
+        </p:txBody>
+      </p:sp>
+      <p:sp>
+        <p:nvSpPr>
+          <p:cNvPr id="6" name="สี่เหลี่ยมผืนผ้า 5">
+            <a:extLst>
+              <a:ext uri="{FF2B5EF4-FFF2-40B4-BE49-F238E27FC236}">
+                <a16:creationId xmlns:a16="http://schemas.microsoft.com/office/drawing/2014/main" id="{40EE8A4B-2580-DE7C-03B9-2A301B0B7F18}"/>
+              </a:ext>
+            </a:extLst>
+          </p:cNvPr>
+          <p:cNvSpPr/>
+          <p:nvPr/>
+        </p:nvSpPr>
+        <p:spPr>
+          <a:xfrm>
+            <a:off x="4321834" y="1906438"/>
+            <a:ext cx="2432649" cy="1802921"/>
+          </a:xfrm>
+          <a:prstGeom prst="rect">
+            <a:avLst/>
+          </a:prstGeom>
+          <a:noFill/>
+          <a:ln w="19050">
+            <a:solidFill>
+              <a:schemeClr val="tx1"/>
+            </a:solidFill>
+          </a:ln>
+        </p:spPr>
+        <p:style>
+          <a:lnRef idx="2">
+            <a:schemeClr val="accent1">
+              <a:shade val="50000"/>
+            </a:schemeClr>
+          </a:lnRef>
+          <a:fillRef idx="1">
+            <a:schemeClr val="accent1"/>
+          </a:fillRef>
+          <a:effectRef idx="0">
+            <a:schemeClr val="accent1"/>
+          </a:effectRef>
+          <a:fontRef idx="minor">
+            <a:schemeClr val="lt1"/>
+          </a:fontRef>
+        </p:style>
+        <p:txBody>
+          <a:bodyPr rtlCol="0" anchor="ctr"/>
+          <a:lstStyle/>
+          <a:p>
+            <a:r>
+              <a:rPr lang="en-US" sz="2000" dirty="0">
+                <a:solidFill>
+                  <a:schemeClr val="tx1"/>
+                </a:solidFill>
+                <a:latin typeface="Consolas" panose="020B0609020204030204" pitchFamily="49" charset="0"/>
+              </a:rPr>
+              <a:t>Title</a:t>
+            </a:r>
+          </a:p>
+          <a:p>
+            <a:r>
+              <a:rPr lang="en-US" sz="2000" dirty="0">
+                <a:solidFill>
+                  <a:schemeClr val="tx1"/>
+                </a:solidFill>
+                <a:latin typeface="Consolas" panose="020B0609020204030204" pitchFamily="49" charset="0"/>
+              </a:rPr>
+              <a:t>Author</a:t>
+            </a:r>
+          </a:p>
+          <a:p>
+            <a:r>
+              <a:rPr lang="en-US" sz="2000" dirty="0">
+                <a:solidFill>
+                  <a:schemeClr val="tx1"/>
+                </a:solidFill>
+                <a:latin typeface="Consolas" panose="020B0609020204030204" pitchFamily="49" charset="0"/>
+              </a:rPr>
+              <a:t>Year</a:t>
+            </a:r>
+          </a:p>
+          <a:p>
+            <a:r>
+              <a:rPr lang="en-US" sz="2000" dirty="0">
+                <a:solidFill>
+                  <a:schemeClr val="tx1"/>
+                </a:solidFill>
+                <a:latin typeface="Consolas" panose="020B0609020204030204" pitchFamily="49" charset="0"/>
+              </a:rPr>
+              <a:t>Publisher</a:t>
+            </a:r>
+          </a:p>
+          <a:p>
+            <a:r>
+              <a:rPr lang="en-US" sz="2000" dirty="0">
+                <a:solidFill>
+                  <a:schemeClr val="tx1"/>
+                </a:solidFill>
+                <a:latin typeface="Consolas" panose="020B0609020204030204" pitchFamily="49" charset="0"/>
+              </a:rPr>
+              <a:t>Price</a:t>
+            </a:r>
+          </a:p>
+          <a:p>
+            <a:r>
+              <a:rPr lang="en-US" sz="2000" dirty="0">
+                <a:solidFill>
+                  <a:schemeClr val="tx1"/>
+                </a:solidFill>
+                <a:latin typeface="Consolas" panose="020B0609020204030204" pitchFamily="49" charset="0"/>
+              </a:rPr>
+              <a:t>...</a:t>
+            </a:r>
+            <a:endParaRPr lang="th-TH" sz="2000" dirty="0">
+              <a:solidFill>
+                <a:schemeClr val="tx1"/>
+              </a:solidFill>
+              <a:latin typeface="Consolas" panose="020B0609020204030204" pitchFamily="49" charset="0"/>
+            </a:endParaRPr>
+          </a:p>
+        </p:txBody>
+      </p:sp>
+      <p:sp>
+        <p:nvSpPr>
+          <p:cNvPr id="7" name="สี่เหลี่ยมผืนผ้า 6">
+            <a:extLst>
+              <a:ext uri="{FF2B5EF4-FFF2-40B4-BE49-F238E27FC236}">
+                <a16:creationId xmlns:a16="http://schemas.microsoft.com/office/drawing/2014/main" id="{25BB01A9-1CE3-1FFD-C3E9-57883BAC8D73}"/>
+              </a:ext>
+            </a:extLst>
+          </p:cNvPr>
+          <p:cNvSpPr/>
+          <p:nvPr/>
+        </p:nvSpPr>
+        <p:spPr>
+          <a:xfrm>
+            <a:off x="4321833" y="3709359"/>
+            <a:ext cx="2432649" cy="2303254"/>
+          </a:xfrm>
+          <a:prstGeom prst="rect">
+            <a:avLst/>
+          </a:prstGeom>
+          <a:noFill/>
+          <a:ln w="19050">
+            <a:solidFill>
+              <a:schemeClr val="tx1"/>
+            </a:solidFill>
+          </a:ln>
+        </p:spPr>
+        <p:style>
+          <a:lnRef idx="2">
+            <a:schemeClr val="accent1">
+              <a:shade val="50000"/>
+            </a:schemeClr>
+          </a:lnRef>
+          <a:fillRef idx="1">
+            <a:schemeClr val="accent1"/>
+          </a:fillRef>
+          <a:effectRef idx="0">
+            <a:schemeClr val="accent1"/>
+          </a:effectRef>
+          <a:fontRef idx="minor">
+            <a:schemeClr val="lt1"/>
+          </a:fontRef>
+        </p:style>
+        <p:txBody>
+          <a:bodyPr rtlCol="0" anchor="ctr"/>
+          <a:lstStyle/>
+          <a:p>
+            <a:r>
+              <a:rPr lang="en-US" sz="2000" dirty="0" err="1">
+                <a:solidFill>
+                  <a:schemeClr val="tx1"/>
+                </a:solidFill>
+                <a:latin typeface="Consolas" panose="020B0609020204030204" pitchFamily="49" charset="0"/>
+              </a:rPr>
+              <a:t>SetTitle</a:t>
+            </a:r>
+            <a:r>
+              <a:rPr lang="en-US" sz="2000" dirty="0">
+                <a:solidFill>
+                  <a:schemeClr val="tx1"/>
+                </a:solidFill>
+                <a:latin typeface="Consolas" panose="020B0609020204030204" pitchFamily="49" charset="0"/>
+              </a:rPr>
+              <a:t>(...)</a:t>
+            </a:r>
+          </a:p>
+          <a:p>
+            <a:r>
+              <a:rPr lang="en-US" sz="2000" dirty="0" err="1">
+                <a:solidFill>
+                  <a:schemeClr val="tx1"/>
+                </a:solidFill>
+                <a:latin typeface="Consolas" panose="020B0609020204030204" pitchFamily="49" charset="0"/>
+              </a:rPr>
+              <a:t>GetTitle</a:t>
+            </a:r>
+            <a:r>
+              <a:rPr lang="en-US" sz="2000" dirty="0">
+                <a:solidFill>
+                  <a:schemeClr val="tx1"/>
+                </a:solidFill>
+                <a:latin typeface="Consolas" panose="020B0609020204030204" pitchFamily="49" charset="0"/>
+              </a:rPr>
+              <a:t>()</a:t>
+            </a:r>
+          </a:p>
+          <a:p>
+            <a:r>
+              <a:rPr lang="en-US" sz="2000" dirty="0" err="1">
+                <a:solidFill>
+                  <a:schemeClr val="tx1"/>
+                </a:solidFill>
+                <a:latin typeface="Consolas" panose="020B0609020204030204" pitchFamily="49" charset="0"/>
+              </a:rPr>
+              <a:t>SetAuthor</a:t>
+            </a:r>
+            <a:r>
+              <a:rPr lang="en-US" sz="2000" dirty="0">
+                <a:solidFill>
+                  <a:schemeClr val="tx1"/>
+                </a:solidFill>
+                <a:latin typeface="Consolas" panose="020B0609020204030204" pitchFamily="49" charset="0"/>
+              </a:rPr>
+              <a:t>(...)</a:t>
+            </a:r>
+          </a:p>
+          <a:p>
+            <a:r>
+              <a:rPr lang="en-US" sz="2000" dirty="0" err="1">
+                <a:solidFill>
+                  <a:schemeClr val="tx1"/>
+                </a:solidFill>
+                <a:latin typeface="Consolas" panose="020B0609020204030204" pitchFamily="49" charset="0"/>
+              </a:rPr>
+              <a:t>GetYear</a:t>
+            </a:r>
+            <a:endParaRPr lang="en-US" sz="2000" dirty="0">
+              <a:solidFill>
+                <a:schemeClr val="tx1"/>
+              </a:solidFill>
+              <a:latin typeface="Consolas" panose="020B0609020204030204" pitchFamily="49" charset="0"/>
+            </a:endParaRPr>
+          </a:p>
+          <a:p>
+            <a:r>
+              <a:rPr lang="en-US" sz="2000" dirty="0" err="1">
+                <a:solidFill>
+                  <a:schemeClr val="tx1"/>
+                </a:solidFill>
+                <a:latin typeface="Consolas" panose="020B0609020204030204" pitchFamily="49" charset="0"/>
+              </a:rPr>
+              <a:t>SetYear</a:t>
+            </a:r>
+            <a:r>
+              <a:rPr lang="en-US" sz="2000" dirty="0">
+                <a:solidFill>
+                  <a:schemeClr val="tx1"/>
+                </a:solidFill>
+                <a:latin typeface="Consolas" panose="020B0609020204030204" pitchFamily="49" charset="0"/>
+              </a:rPr>
+              <a:t>(...)</a:t>
+            </a:r>
+          </a:p>
+          <a:p>
+            <a:r>
+              <a:rPr lang="en-US" sz="2000" dirty="0">
+                <a:solidFill>
+                  <a:schemeClr val="tx1"/>
+                </a:solidFill>
+                <a:latin typeface="Consolas" panose="020B0609020204030204" pitchFamily="49" charset="0"/>
+              </a:rPr>
+              <a:t>...</a:t>
+            </a:r>
+          </a:p>
+          <a:p>
+            <a:pPr algn="ctr"/>
+            <a:endParaRPr lang="th-TH" sz="2000" dirty="0">
+              <a:solidFill>
+                <a:schemeClr val="tx1"/>
+              </a:solidFill>
+              <a:latin typeface="Consolas" panose="020B0609020204030204" pitchFamily="49" charset="0"/>
+            </a:endParaRPr>
+          </a:p>
+        </p:txBody>
+      </p:sp>
+      <p:sp>
+        <p:nvSpPr>
+          <p:cNvPr id="8" name="สี่เหลี่ยมผืนผ้า 7">
+            <a:extLst>
+              <a:ext uri="{FF2B5EF4-FFF2-40B4-BE49-F238E27FC236}">
+                <a16:creationId xmlns:a16="http://schemas.microsoft.com/office/drawing/2014/main" id="{17FF3671-1397-F5CA-A51A-5AAA1EC82977}"/>
+              </a:ext>
+            </a:extLst>
+          </p:cNvPr>
+          <p:cNvSpPr/>
+          <p:nvPr/>
+        </p:nvSpPr>
+        <p:spPr>
+          <a:xfrm>
+            <a:off x="7927675" y="1319842"/>
+            <a:ext cx="3735237" cy="586595"/>
+          </a:xfrm>
+          <a:prstGeom prst="rect">
+            <a:avLst/>
+          </a:prstGeom>
+          <a:noFill/>
+          <a:ln w="19050">
+            <a:solidFill>
+              <a:schemeClr val="tx1"/>
+            </a:solidFill>
+          </a:ln>
+        </p:spPr>
+        <p:style>
+          <a:lnRef idx="2">
+            <a:schemeClr val="accent1">
+              <a:shade val="50000"/>
+            </a:schemeClr>
+          </a:lnRef>
+          <a:fillRef idx="1">
+            <a:schemeClr val="accent1"/>
+          </a:fillRef>
+          <a:effectRef idx="0">
+            <a:schemeClr val="accent1"/>
+          </a:effectRef>
+          <a:fontRef idx="minor">
+            <a:schemeClr val="lt1"/>
+          </a:fontRef>
+        </p:style>
+        <p:txBody>
+          <a:bodyPr rtlCol="0" anchor="ctr"/>
+          <a:lstStyle/>
+          <a:p>
+            <a:pPr algn="ctr"/>
+            <a:r>
+              <a:rPr lang="en-US" sz="2000" dirty="0">
+                <a:solidFill>
+                  <a:schemeClr val="tx1"/>
+                </a:solidFill>
+                <a:latin typeface="Consolas" panose="020B0609020204030204" pitchFamily="49" charset="0"/>
+              </a:rPr>
+              <a:t>Book</a:t>
+            </a:r>
+            <a:endParaRPr lang="th-TH" sz="2000" dirty="0">
+              <a:solidFill>
+                <a:schemeClr val="tx1"/>
+              </a:solidFill>
+              <a:latin typeface="Consolas" panose="020B0609020204030204" pitchFamily="49" charset="0"/>
+            </a:endParaRPr>
+          </a:p>
+        </p:txBody>
+      </p:sp>
+      <p:sp>
+        <p:nvSpPr>
+          <p:cNvPr id="9" name="สี่เหลี่ยมผืนผ้า 8">
+            <a:extLst>
+              <a:ext uri="{FF2B5EF4-FFF2-40B4-BE49-F238E27FC236}">
+                <a16:creationId xmlns:a16="http://schemas.microsoft.com/office/drawing/2014/main" id="{CC8285EF-3158-D5D3-7478-3210F29099B7}"/>
+              </a:ext>
+            </a:extLst>
+          </p:cNvPr>
+          <p:cNvSpPr/>
+          <p:nvPr/>
+        </p:nvSpPr>
+        <p:spPr>
+          <a:xfrm>
+            <a:off x="7927675" y="1906438"/>
+            <a:ext cx="3735237" cy="1802921"/>
+          </a:xfrm>
+          <a:prstGeom prst="rect">
+            <a:avLst/>
+          </a:prstGeom>
+          <a:noFill/>
+          <a:ln w="19050">
+            <a:solidFill>
+              <a:schemeClr val="tx1"/>
+            </a:solidFill>
+          </a:ln>
+        </p:spPr>
+        <p:style>
+          <a:lnRef idx="2">
+            <a:schemeClr val="accent1">
+              <a:shade val="50000"/>
+            </a:schemeClr>
+          </a:lnRef>
+          <a:fillRef idx="1">
+            <a:schemeClr val="accent1"/>
+          </a:fillRef>
+          <a:effectRef idx="0">
+            <a:schemeClr val="accent1"/>
+          </a:effectRef>
+          <a:fontRef idx="minor">
+            <a:schemeClr val="lt1"/>
+          </a:fontRef>
+        </p:style>
+        <p:txBody>
+          <a:bodyPr rtlCol="0" anchor="ctr"/>
+          <a:lstStyle/>
+          <a:p>
+            <a:r>
+              <a:rPr lang="en-US" sz="2000" dirty="0">
+                <a:solidFill>
+                  <a:schemeClr val="tx1"/>
+                </a:solidFill>
+                <a:latin typeface="Consolas" panose="020B0609020204030204" pitchFamily="49" charset="0"/>
+              </a:rPr>
+              <a:t>- Title : string</a:t>
+            </a:r>
+          </a:p>
+          <a:p>
+            <a:r>
+              <a:rPr lang="en-US" sz="2000" dirty="0">
+                <a:solidFill>
+                  <a:schemeClr val="tx1"/>
+                </a:solidFill>
+                <a:latin typeface="Consolas" panose="020B0609020204030204" pitchFamily="49" charset="0"/>
+              </a:rPr>
+              <a:t>- Author : string</a:t>
+            </a:r>
+          </a:p>
+          <a:p>
+            <a:r>
+              <a:rPr lang="en-US" sz="2000" dirty="0">
+                <a:solidFill>
+                  <a:schemeClr val="tx1"/>
+                </a:solidFill>
+                <a:latin typeface="Consolas" panose="020B0609020204030204" pitchFamily="49" charset="0"/>
+              </a:rPr>
+              <a:t>- Year : int</a:t>
+            </a:r>
+          </a:p>
+          <a:p>
+            <a:r>
+              <a:rPr lang="en-US" sz="2000" dirty="0">
+                <a:solidFill>
+                  <a:schemeClr val="tx1"/>
+                </a:solidFill>
+                <a:latin typeface="Consolas" panose="020B0609020204030204" pitchFamily="49" charset="0"/>
+              </a:rPr>
+              <a:t>- Publisher : string</a:t>
+            </a:r>
+          </a:p>
+          <a:p>
+            <a:r>
+              <a:rPr lang="en-US" sz="2000" dirty="0">
+                <a:solidFill>
+                  <a:schemeClr val="tx1"/>
+                </a:solidFill>
+                <a:latin typeface="Consolas" panose="020B0609020204030204" pitchFamily="49" charset="0"/>
+              </a:rPr>
+              <a:t>- Price : decimal</a:t>
+            </a:r>
+          </a:p>
+          <a:p>
+            <a:r>
+              <a:rPr lang="en-US" sz="2000" dirty="0">
+                <a:solidFill>
+                  <a:schemeClr val="tx1"/>
+                </a:solidFill>
+                <a:latin typeface="Consolas" panose="020B0609020204030204" pitchFamily="49" charset="0"/>
+              </a:rPr>
+              <a:t>...</a:t>
+            </a:r>
+            <a:endParaRPr lang="th-TH" sz="2000" dirty="0">
+              <a:solidFill>
+                <a:schemeClr val="tx1"/>
+              </a:solidFill>
+              <a:latin typeface="Consolas" panose="020B0609020204030204" pitchFamily="49" charset="0"/>
+            </a:endParaRPr>
+          </a:p>
+        </p:txBody>
+      </p:sp>
+      <p:sp>
+        <p:nvSpPr>
+          <p:cNvPr id="10" name="สี่เหลี่ยมผืนผ้า 9">
+            <a:extLst>
+              <a:ext uri="{FF2B5EF4-FFF2-40B4-BE49-F238E27FC236}">
+                <a16:creationId xmlns:a16="http://schemas.microsoft.com/office/drawing/2014/main" id="{DC175BA8-65D9-614B-55A3-8BD7E0BCFDE4}"/>
+              </a:ext>
+            </a:extLst>
+          </p:cNvPr>
+          <p:cNvSpPr/>
+          <p:nvPr/>
+        </p:nvSpPr>
+        <p:spPr>
+          <a:xfrm>
+            <a:off x="7927674" y="3709359"/>
+            <a:ext cx="3735237" cy="2303254"/>
+          </a:xfrm>
+          <a:prstGeom prst="rect">
+            <a:avLst/>
+          </a:prstGeom>
+          <a:noFill/>
+          <a:ln w="19050">
+            <a:solidFill>
+              <a:schemeClr val="tx1"/>
+            </a:solidFill>
+          </a:ln>
+        </p:spPr>
+        <p:style>
+          <a:lnRef idx="2">
+            <a:schemeClr val="accent1">
+              <a:shade val="50000"/>
+            </a:schemeClr>
+          </a:lnRef>
+          <a:fillRef idx="1">
+            <a:schemeClr val="accent1"/>
+          </a:fillRef>
+          <a:effectRef idx="0">
+            <a:schemeClr val="accent1"/>
+          </a:effectRef>
+          <a:fontRef idx="minor">
+            <a:schemeClr val="lt1"/>
+          </a:fontRef>
+        </p:style>
+        <p:txBody>
+          <a:bodyPr rtlCol="0" anchor="ctr"/>
+          <a:lstStyle/>
+          <a:p>
+            <a:r>
+              <a:rPr lang="en-US" sz="2000" dirty="0">
+                <a:solidFill>
+                  <a:schemeClr val="tx1"/>
+                </a:solidFill>
+                <a:latin typeface="Consolas" panose="020B0609020204030204" pitchFamily="49" charset="0"/>
+              </a:rPr>
+              <a:t>+ </a:t>
+            </a:r>
+            <a:r>
+              <a:rPr lang="en-US" sz="2000" dirty="0" err="1">
+                <a:solidFill>
+                  <a:schemeClr val="tx1"/>
+                </a:solidFill>
+                <a:latin typeface="Consolas" panose="020B0609020204030204" pitchFamily="49" charset="0"/>
+              </a:rPr>
+              <a:t>SetTitle</a:t>
+            </a:r>
+            <a:r>
+              <a:rPr lang="en-US" sz="2000" dirty="0">
+                <a:solidFill>
+                  <a:schemeClr val="tx1"/>
+                </a:solidFill>
+                <a:latin typeface="Consolas" panose="020B0609020204030204" pitchFamily="49" charset="0"/>
+              </a:rPr>
+              <a:t>(string)</a:t>
+            </a:r>
+          </a:p>
+          <a:p>
+            <a:r>
+              <a:rPr lang="en-US" sz="2000" dirty="0">
+                <a:solidFill>
+                  <a:schemeClr val="tx1"/>
+                </a:solidFill>
+                <a:latin typeface="Consolas" panose="020B0609020204030204" pitchFamily="49" charset="0"/>
+              </a:rPr>
+              <a:t>+ </a:t>
+            </a:r>
+            <a:r>
+              <a:rPr lang="en-US" sz="2000" dirty="0" err="1">
+                <a:solidFill>
+                  <a:schemeClr val="tx1"/>
+                </a:solidFill>
+                <a:latin typeface="Consolas" panose="020B0609020204030204" pitchFamily="49" charset="0"/>
+              </a:rPr>
+              <a:t>GetTitle</a:t>
+            </a:r>
+            <a:r>
+              <a:rPr lang="en-US" sz="2000" dirty="0">
+                <a:solidFill>
+                  <a:schemeClr val="tx1"/>
+                </a:solidFill>
+                <a:latin typeface="Consolas" panose="020B0609020204030204" pitchFamily="49" charset="0"/>
+              </a:rPr>
+              <a:t>() : string</a:t>
+            </a:r>
+          </a:p>
+          <a:p>
+            <a:r>
+              <a:rPr lang="en-US" sz="2000" dirty="0">
+                <a:solidFill>
+                  <a:schemeClr val="tx1"/>
+                </a:solidFill>
+                <a:latin typeface="Consolas" panose="020B0609020204030204" pitchFamily="49" charset="0"/>
+              </a:rPr>
+              <a:t>+ </a:t>
+            </a:r>
+            <a:r>
+              <a:rPr lang="en-US" sz="2000" dirty="0" err="1">
+                <a:solidFill>
+                  <a:schemeClr val="tx1"/>
+                </a:solidFill>
+                <a:latin typeface="Consolas" panose="020B0609020204030204" pitchFamily="49" charset="0"/>
+              </a:rPr>
+              <a:t>SetAuthor</a:t>
+            </a:r>
+            <a:r>
+              <a:rPr lang="en-US" sz="2000" dirty="0">
+                <a:solidFill>
+                  <a:schemeClr val="tx1"/>
+                </a:solidFill>
+                <a:latin typeface="Consolas" panose="020B0609020204030204" pitchFamily="49" charset="0"/>
+              </a:rPr>
+              <a:t>(string)</a:t>
+            </a:r>
+          </a:p>
+          <a:p>
+            <a:r>
+              <a:rPr lang="en-US" sz="2000" dirty="0">
+                <a:solidFill>
+                  <a:schemeClr val="tx1"/>
+                </a:solidFill>
+                <a:latin typeface="Consolas" panose="020B0609020204030204" pitchFamily="49" charset="0"/>
+              </a:rPr>
+              <a:t>+ </a:t>
+            </a:r>
+            <a:r>
+              <a:rPr lang="en-US" sz="2000" dirty="0" err="1">
+                <a:solidFill>
+                  <a:schemeClr val="tx1"/>
+                </a:solidFill>
+                <a:latin typeface="Consolas" panose="020B0609020204030204" pitchFamily="49" charset="0"/>
+              </a:rPr>
+              <a:t>GetYear</a:t>
+            </a:r>
+            <a:r>
+              <a:rPr lang="en-US" sz="2000" dirty="0">
+                <a:solidFill>
+                  <a:schemeClr val="tx1"/>
+                </a:solidFill>
+                <a:latin typeface="Consolas" panose="020B0609020204030204" pitchFamily="49" charset="0"/>
+              </a:rPr>
+              <a:t>() : int</a:t>
+            </a:r>
+          </a:p>
+          <a:p>
+            <a:r>
+              <a:rPr lang="en-US" sz="2000" dirty="0">
+                <a:solidFill>
+                  <a:schemeClr val="tx1"/>
+                </a:solidFill>
+                <a:latin typeface="Consolas" panose="020B0609020204030204" pitchFamily="49" charset="0"/>
+              </a:rPr>
+              <a:t>+ </a:t>
+            </a:r>
+            <a:r>
+              <a:rPr lang="en-US" sz="2000" dirty="0" err="1">
+                <a:solidFill>
+                  <a:schemeClr val="tx1"/>
+                </a:solidFill>
+                <a:latin typeface="Consolas" panose="020B0609020204030204" pitchFamily="49" charset="0"/>
+              </a:rPr>
+              <a:t>SetYear</a:t>
+            </a:r>
+            <a:r>
+              <a:rPr lang="en-US" sz="2000" dirty="0">
+                <a:solidFill>
+                  <a:schemeClr val="tx1"/>
+                </a:solidFill>
+                <a:latin typeface="Consolas" panose="020B0609020204030204" pitchFamily="49" charset="0"/>
+              </a:rPr>
+              <a:t>(int)</a:t>
+            </a:r>
+          </a:p>
+          <a:p>
+            <a:r>
+              <a:rPr lang="en-US" sz="2000" dirty="0">
+                <a:solidFill>
+                  <a:schemeClr val="tx1"/>
+                </a:solidFill>
+                <a:latin typeface="Consolas" panose="020B0609020204030204" pitchFamily="49" charset="0"/>
+              </a:rPr>
+              <a:t>...</a:t>
+            </a:r>
+          </a:p>
+          <a:p>
+            <a:pPr algn="ctr"/>
+            <a:endParaRPr lang="th-TH" sz="2000" dirty="0">
+              <a:solidFill>
+                <a:schemeClr val="tx1"/>
+              </a:solidFill>
+              <a:latin typeface="Consolas" panose="020B0609020204030204" pitchFamily="49" charset="0"/>
+            </a:endParaRPr>
+          </a:p>
+        </p:txBody>
+      </p:sp>
+    </p:spTree>
+    <p:extLst>
+      <p:ext uri="{BB962C8B-B14F-4D97-AF65-F5344CB8AC3E}">
+        <p14:creationId xmlns:p14="http://schemas.microsoft.com/office/powerpoint/2010/main" val="3859227927"/>
+      </p:ext>
+    </p:extLst>
+  </p:cSld>
+  <p:clrMapOvr>
+    <a:masterClrMapping/>
+  </p:clrMapOvr>
+</p:sld>
+</file>
+
+<file path=ppt/slides/slide5.xml><?xml version="1.0" encoding="utf-8"?>
+<p:sld xmlns:a="http://schemas.openxmlformats.org/drawingml/2006/main" xmlns:r="http://schemas.openxmlformats.org/officeDocument/2006/relationships" xmlns:p="http://schemas.openxmlformats.org/presentationml/2006/main">
+  <p:cSld>
+    <p:spTree>
+      <p:nvGrpSpPr>
+        <p:cNvPr id="1" name=""/>
+        <p:cNvGrpSpPr/>
+        <p:nvPr/>
+      </p:nvGrpSpPr>
+      <p:grpSpPr>
+        <a:xfrm>
+          <a:off x="0" y="0"/>
+          <a:ext cx="0" cy="0"/>
+          <a:chOff x="0" y="0"/>
+          <a:chExt cx="0" cy="0"/>
+        </a:xfrm>
+      </p:grpSpPr>
+      <p:sp>
+        <p:nvSpPr>
+          <p:cNvPr id="8" name="สี่เหลี่ยมผืนผ้า 7">
+            <a:extLst>
+              <a:ext uri="{FF2B5EF4-FFF2-40B4-BE49-F238E27FC236}">
+                <a16:creationId xmlns:a16="http://schemas.microsoft.com/office/drawing/2014/main" id="{F53782B6-B1E3-3139-1A27-E724CDF20D1D}"/>
+              </a:ext>
+            </a:extLst>
+          </p:cNvPr>
+          <p:cNvSpPr/>
+          <p:nvPr/>
+        </p:nvSpPr>
+        <p:spPr>
+          <a:xfrm>
+            <a:off x="276045" y="931653"/>
+            <a:ext cx="8264106" cy="3881887"/>
+          </a:xfrm>
+          <a:prstGeom prst="rect">
+            <a:avLst/>
+          </a:prstGeom>
+          <a:solidFill>
+            <a:schemeClr val="bg1"/>
+          </a:solidFill>
+          <a:ln>
+            <a:solidFill>
+              <a:srgbClr val="002060"/>
+            </a:solidFill>
+          </a:ln>
+        </p:spPr>
+        <p:style>
+          <a:lnRef idx="2">
+            <a:schemeClr val="accent1">
+              <a:shade val="50000"/>
+            </a:schemeClr>
+          </a:lnRef>
+          <a:fillRef idx="1">
+            <a:schemeClr val="accent1"/>
+          </a:fillRef>
+          <a:effectRef idx="0">
+            <a:schemeClr val="accent1"/>
+          </a:effectRef>
+          <a:fontRef idx="minor">
+            <a:schemeClr val="lt1"/>
+          </a:fontRef>
+        </p:style>
+        <p:txBody>
+          <a:bodyPr rtlCol="0" anchor="ctr"/>
+          <a:lstStyle/>
+          <a:p>
+            <a:pPr algn="ctr"/>
+            <a:endParaRPr lang="th-TH"/>
+          </a:p>
+        </p:txBody>
+      </p:sp>
+      <p:sp>
+        <p:nvSpPr>
+          <p:cNvPr id="2" name="สี่เหลี่ยมผืนผ้า 1">
+            <a:extLst>
+              <a:ext uri="{FF2B5EF4-FFF2-40B4-BE49-F238E27FC236}">
+                <a16:creationId xmlns:a16="http://schemas.microsoft.com/office/drawing/2014/main" id="{63AC2FDE-BE48-8CB1-A809-1118F601DFD2}"/>
+              </a:ext>
+            </a:extLst>
+          </p:cNvPr>
+          <p:cNvSpPr/>
+          <p:nvPr/>
+        </p:nvSpPr>
+        <p:spPr>
+          <a:xfrm>
+            <a:off x="672861" y="1621766"/>
+            <a:ext cx="2061713" cy="586596"/>
+          </a:xfrm>
+          <a:prstGeom prst="rect">
+            <a:avLst/>
+          </a:prstGeom>
+          <a:noFill/>
+          <a:ln w="19050">
+            <a:solidFill>
+              <a:schemeClr val="tx1"/>
+            </a:solidFill>
+          </a:ln>
+        </p:spPr>
+        <p:style>
+          <a:lnRef idx="2">
+            <a:schemeClr val="accent1">
+              <a:shade val="50000"/>
+            </a:schemeClr>
+          </a:lnRef>
+          <a:fillRef idx="1">
+            <a:schemeClr val="accent1"/>
+          </a:fillRef>
+          <a:effectRef idx="0">
+            <a:schemeClr val="accent1"/>
+          </a:effectRef>
+          <a:fontRef idx="minor">
+            <a:schemeClr val="lt1"/>
+          </a:fontRef>
+        </p:style>
+        <p:txBody>
+          <a:bodyPr rtlCol="0" anchor="ctr"/>
+          <a:lstStyle/>
+          <a:p>
+            <a:pPr algn="ctr"/>
+            <a:r>
+              <a:rPr lang="en-US" sz="2000" dirty="0">
+                <a:solidFill>
+                  <a:schemeClr val="tx1"/>
+                </a:solidFill>
+                <a:latin typeface="Consolas" panose="020B0609020204030204" pitchFamily="49" charset="0"/>
+              </a:rPr>
+              <a:t>Class name</a:t>
+            </a:r>
+            <a:endParaRPr lang="th-TH" sz="2000" dirty="0">
+              <a:solidFill>
+                <a:schemeClr val="tx1"/>
+              </a:solidFill>
+              <a:latin typeface="Consolas" panose="020B0609020204030204" pitchFamily="49" charset="0"/>
+            </a:endParaRPr>
+          </a:p>
+        </p:txBody>
+      </p:sp>
+      <p:sp>
+        <p:nvSpPr>
+          <p:cNvPr id="3" name="สี่เหลี่ยมผืนผ้า 2">
+            <a:extLst>
+              <a:ext uri="{FF2B5EF4-FFF2-40B4-BE49-F238E27FC236}">
+                <a16:creationId xmlns:a16="http://schemas.microsoft.com/office/drawing/2014/main" id="{5079C3DD-E5DD-D408-011F-80AE9F179E39}"/>
+              </a:ext>
+            </a:extLst>
+          </p:cNvPr>
+          <p:cNvSpPr/>
+          <p:nvPr/>
+        </p:nvSpPr>
+        <p:spPr>
+          <a:xfrm>
+            <a:off x="672861" y="2208362"/>
+            <a:ext cx="2061713" cy="776378"/>
+          </a:xfrm>
+          <a:prstGeom prst="rect">
+            <a:avLst/>
+          </a:prstGeom>
+          <a:noFill/>
+          <a:ln w="19050">
+            <a:solidFill>
+              <a:schemeClr val="tx1"/>
+            </a:solidFill>
+          </a:ln>
+        </p:spPr>
+        <p:style>
+          <a:lnRef idx="2">
+            <a:schemeClr val="accent1">
+              <a:shade val="50000"/>
+            </a:schemeClr>
+          </a:lnRef>
+          <a:fillRef idx="1">
+            <a:schemeClr val="accent1"/>
+          </a:fillRef>
+          <a:effectRef idx="0">
+            <a:schemeClr val="accent1"/>
+          </a:effectRef>
+          <a:fontRef idx="minor">
+            <a:schemeClr val="lt1"/>
+          </a:fontRef>
+        </p:style>
+        <p:txBody>
+          <a:bodyPr rtlCol="0" anchor="ctr"/>
+          <a:lstStyle/>
+          <a:p>
+            <a:pPr algn="ctr"/>
+            <a:r>
+              <a:rPr lang="en-US" sz="2000" dirty="0">
+                <a:solidFill>
+                  <a:schemeClr val="tx1"/>
+                </a:solidFill>
+                <a:latin typeface="Consolas" panose="020B0609020204030204" pitchFamily="49" charset="0"/>
+              </a:rPr>
+              <a:t>Attributes</a:t>
+            </a:r>
+            <a:endParaRPr lang="th-TH" sz="2000" dirty="0">
+              <a:solidFill>
+                <a:schemeClr val="tx1"/>
+              </a:solidFill>
+              <a:latin typeface="Consolas" panose="020B0609020204030204" pitchFamily="49" charset="0"/>
+            </a:endParaRPr>
+          </a:p>
+        </p:txBody>
+      </p:sp>
+      <p:sp>
+        <p:nvSpPr>
+          <p:cNvPr id="4" name="สี่เหลี่ยมผืนผ้า 3">
+            <a:extLst>
+              <a:ext uri="{FF2B5EF4-FFF2-40B4-BE49-F238E27FC236}">
+                <a16:creationId xmlns:a16="http://schemas.microsoft.com/office/drawing/2014/main" id="{AD74FCA9-B4EF-1487-3434-29AF6920A813}"/>
+              </a:ext>
+            </a:extLst>
+          </p:cNvPr>
+          <p:cNvSpPr/>
+          <p:nvPr/>
+        </p:nvSpPr>
+        <p:spPr>
+          <a:xfrm>
+            <a:off x="672861" y="2984740"/>
+            <a:ext cx="2061713" cy="1207698"/>
+          </a:xfrm>
+          <a:prstGeom prst="rect">
+            <a:avLst/>
+          </a:prstGeom>
+          <a:noFill/>
+          <a:ln w="19050">
+            <a:solidFill>
+              <a:schemeClr val="tx1"/>
+            </a:solidFill>
+          </a:ln>
+        </p:spPr>
+        <p:style>
+          <a:lnRef idx="2">
+            <a:schemeClr val="accent1">
+              <a:shade val="50000"/>
+            </a:schemeClr>
+          </a:lnRef>
+          <a:fillRef idx="1">
+            <a:schemeClr val="accent1"/>
+          </a:fillRef>
+          <a:effectRef idx="0">
+            <a:schemeClr val="accent1"/>
+          </a:effectRef>
+          <a:fontRef idx="minor">
+            <a:schemeClr val="lt1"/>
+          </a:fontRef>
+        </p:style>
+        <p:txBody>
+          <a:bodyPr rtlCol="0" anchor="ctr"/>
+          <a:lstStyle/>
+          <a:p>
+            <a:pPr algn="ctr"/>
+            <a:r>
+              <a:rPr lang="en-US" sz="2000" dirty="0">
+                <a:solidFill>
+                  <a:schemeClr val="tx1"/>
+                </a:solidFill>
+                <a:latin typeface="Consolas" panose="020B0609020204030204" pitchFamily="49" charset="0"/>
+              </a:rPr>
+              <a:t>Methods()</a:t>
+            </a:r>
+            <a:endParaRPr lang="th-TH" sz="2000" dirty="0">
+              <a:solidFill>
+                <a:schemeClr val="tx1"/>
+              </a:solidFill>
+              <a:latin typeface="Consolas" panose="020B0609020204030204" pitchFamily="49" charset="0"/>
+            </a:endParaRPr>
+          </a:p>
+        </p:txBody>
+      </p:sp>
+      <p:sp>
+        <p:nvSpPr>
+          <p:cNvPr id="5" name="กล่องข้อความ 4">
+            <a:extLst>
+              <a:ext uri="{FF2B5EF4-FFF2-40B4-BE49-F238E27FC236}">
+                <a16:creationId xmlns:a16="http://schemas.microsoft.com/office/drawing/2014/main" id="{2D26A8CB-ED55-525D-A481-DAA968A30BDA}"/>
+              </a:ext>
+            </a:extLst>
+          </p:cNvPr>
+          <p:cNvSpPr txBox="1"/>
+          <p:nvPr/>
+        </p:nvSpPr>
+        <p:spPr>
+          <a:xfrm>
+            <a:off x="3584275" y="1621766"/>
+            <a:ext cx="2221302" cy="2031325"/>
+          </a:xfrm>
+          <a:prstGeom prst="rect">
+            <a:avLst/>
+          </a:prstGeom>
+          <a:solidFill>
+            <a:schemeClr val="tx2">
+              <a:lumMod val="20000"/>
+              <a:lumOff val="80000"/>
+            </a:schemeClr>
+          </a:solidFill>
+        </p:spPr>
+        <p:txBody>
+          <a:bodyPr wrap="square" rtlCol="0">
+            <a:spAutoFit/>
+          </a:bodyPr>
+          <a:lstStyle/>
+          <a:p>
+            <a:r>
+              <a:rPr lang="en-US" sz="1800" dirty="0"/>
+              <a:t>@startuml</a:t>
+            </a:r>
+          </a:p>
+          <a:p>
+            <a:r>
+              <a:rPr lang="en-US" sz="1800" dirty="0"/>
+              <a:t>class book</a:t>
+            </a:r>
+          </a:p>
+          <a:p>
+            <a:r>
+              <a:rPr lang="en-US" sz="1800" dirty="0"/>
+              <a:t>{</a:t>
+            </a:r>
+          </a:p>
+          <a:p>
+            <a:r>
+              <a:rPr lang="en-US" sz="1800" dirty="0"/>
+              <a:t>     Attributes</a:t>
+            </a:r>
+          </a:p>
+          <a:p>
+            <a:r>
+              <a:rPr lang="en-US" sz="1800" dirty="0"/>
+              <a:t>     Methods()</a:t>
+            </a:r>
+          </a:p>
+          <a:p>
+            <a:r>
+              <a:rPr lang="en-US" sz="1800" dirty="0"/>
+              <a:t>}</a:t>
+            </a:r>
+          </a:p>
+          <a:p>
+            <a:r>
+              <a:rPr lang="en-US" sz="1800" dirty="0"/>
+              <a:t>@enduml</a:t>
+            </a:r>
+            <a:endParaRPr lang="th-TH" sz="1800" dirty="0"/>
+          </a:p>
+        </p:txBody>
+      </p:sp>
+      <p:pic>
+        <p:nvPicPr>
+          <p:cNvPr id="7" name="รูปภาพ 6" descr="รูปภาพประกอบด้วย ข้อความ&#10;&#10;คำอธิบายที่สร้างโดยอัตโนมัติ">
+            <a:extLst>
+              <a:ext uri="{FF2B5EF4-FFF2-40B4-BE49-F238E27FC236}">
+                <a16:creationId xmlns:a16="http://schemas.microsoft.com/office/drawing/2014/main" id="{F2BB5403-C26A-CB19-A9F9-40DE3140144F}"/>
+              </a:ext>
+            </a:extLst>
+          </p:cNvPr>
+          <p:cNvPicPr>
+            <a:picLocks noChangeAspect="1"/>
+          </p:cNvPicPr>
+          <p:nvPr/>
+        </p:nvPicPr>
+        <p:blipFill>
+          <a:blip r:embed="rId2">
+            <a:extLst>
+              <a:ext uri="{28A0092B-C50C-407E-A947-70E740481C1C}">
+                <a14:useLocalDpi xmlns:a14="http://schemas.microsoft.com/office/drawing/2010/main" val="0"/>
+              </a:ext>
+            </a:extLst>
+          </a:blip>
+          <a:stretch>
+            <a:fillRect/>
+          </a:stretch>
+        </p:blipFill>
+        <p:spPr>
+          <a:xfrm>
+            <a:off x="6951824" y="2090769"/>
+            <a:ext cx="1238423" cy="1162212"/>
+          </a:xfrm>
+          <a:prstGeom prst="rect">
+            <a:avLst/>
+          </a:prstGeom>
+        </p:spPr>
+      </p:pic>
+      <p:sp>
+        <p:nvSpPr>
+          <p:cNvPr id="9" name="กล่องข้อความ 8">
+            <a:extLst>
+              <a:ext uri="{FF2B5EF4-FFF2-40B4-BE49-F238E27FC236}">
+                <a16:creationId xmlns:a16="http://schemas.microsoft.com/office/drawing/2014/main" id="{6F0BBCA9-B3E7-77E3-36C3-CD6228CBBCD0}"/>
+              </a:ext>
+            </a:extLst>
+          </p:cNvPr>
+          <p:cNvSpPr txBox="1"/>
+          <p:nvPr/>
+        </p:nvSpPr>
+        <p:spPr>
+          <a:xfrm>
+            <a:off x="672861" y="4330460"/>
+            <a:ext cx="2061713" cy="400110"/>
+          </a:xfrm>
+          <a:prstGeom prst="rect">
+            <a:avLst/>
+          </a:prstGeom>
+          <a:noFill/>
+        </p:spPr>
+        <p:txBody>
+          <a:bodyPr wrap="square" rtlCol="0">
+            <a:spAutoFit/>
+          </a:bodyPr>
+          <a:lstStyle/>
+          <a:p>
+            <a:pPr algn="ctr"/>
+            <a:r>
+              <a:rPr lang="en-US" sz="2000" dirty="0">
+                <a:solidFill>
+                  <a:srgbClr val="0070C0"/>
+                </a:solidFill>
+              </a:rPr>
+              <a:t>Class diagram</a:t>
+            </a:r>
+            <a:endParaRPr lang="th-TH" sz="2000" dirty="0">
+              <a:solidFill>
+                <a:srgbClr val="0070C0"/>
+              </a:solidFill>
+            </a:endParaRPr>
+          </a:p>
+        </p:txBody>
+      </p:sp>
+      <p:sp>
+        <p:nvSpPr>
+          <p:cNvPr id="10" name="กล่องข้อความ 9">
+            <a:extLst>
+              <a:ext uri="{FF2B5EF4-FFF2-40B4-BE49-F238E27FC236}">
+                <a16:creationId xmlns:a16="http://schemas.microsoft.com/office/drawing/2014/main" id="{3446A0A7-2474-B7D7-D706-BECE5494961A}"/>
+              </a:ext>
+            </a:extLst>
+          </p:cNvPr>
+          <p:cNvSpPr txBox="1"/>
+          <p:nvPr/>
+        </p:nvSpPr>
+        <p:spPr>
+          <a:xfrm>
+            <a:off x="3584275" y="3800955"/>
+            <a:ext cx="2221302" cy="400110"/>
+          </a:xfrm>
+          <a:prstGeom prst="rect">
+            <a:avLst/>
+          </a:prstGeom>
+          <a:noFill/>
+        </p:spPr>
+        <p:txBody>
+          <a:bodyPr wrap="square" rtlCol="0">
+            <a:spAutoFit/>
+          </a:bodyPr>
+          <a:lstStyle/>
+          <a:p>
+            <a:pPr algn="ctr"/>
+            <a:r>
+              <a:rPr lang="en-US" sz="2000" dirty="0">
+                <a:solidFill>
+                  <a:srgbClr val="0070C0"/>
+                </a:solidFill>
+              </a:rPr>
+              <a:t>PlantUML code</a:t>
+            </a:r>
+            <a:endParaRPr lang="th-TH" sz="2000" dirty="0">
+              <a:solidFill>
+                <a:srgbClr val="0070C0"/>
+              </a:solidFill>
+            </a:endParaRPr>
+          </a:p>
+        </p:txBody>
+      </p:sp>
+      <p:sp>
+        <p:nvSpPr>
+          <p:cNvPr id="11" name="กล่องข้อความ 10">
+            <a:extLst>
+              <a:ext uri="{FF2B5EF4-FFF2-40B4-BE49-F238E27FC236}">
+                <a16:creationId xmlns:a16="http://schemas.microsoft.com/office/drawing/2014/main" id="{927A5BEB-39E3-633A-7214-5A4669365DAE}"/>
+              </a:ext>
+            </a:extLst>
+          </p:cNvPr>
+          <p:cNvSpPr txBox="1"/>
+          <p:nvPr/>
+        </p:nvSpPr>
+        <p:spPr>
+          <a:xfrm>
+            <a:off x="6386425" y="3252981"/>
+            <a:ext cx="2221302" cy="400110"/>
+          </a:xfrm>
+          <a:prstGeom prst="rect">
+            <a:avLst/>
+          </a:prstGeom>
+          <a:noFill/>
+        </p:spPr>
+        <p:txBody>
+          <a:bodyPr wrap="square" rtlCol="0">
+            <a:spAutoFit/>
+          </a:bodyPr>
+          <a:lstStyle/>
+          <a:p>
+            <a:pPr algn="ctr"/>
+            <a:r>
+              <a:rPr lang="en-US" sz="2000" dirty="0">
+                <a:solidFill>
+                  <a:srgbClr val="0070C0"/>
+                </a:solidFill>
+              </a:rPr>
+              <a:t>Render output</a:t>
+            </a:r>
+            <a:endParaRPr lang="th-TH" sz="2000" dirty="0">
+              <a:solidFill>
+                <a:srgbClr val="0070C0"/>
+              </a:solidFill>
+            </a:endParaRPr>
+          </a:p>
+        </p:txBody>
+      </p:sp>
+    </p:spTree>
+    <p:extLst>
+      <p:ext uri="{BB962C8B-B14F-4D97-AF65-F5344CB8AC3E}">
+        <p14:creationId xmlns:p14="http://schemas.microsoft.com/office/powerpoint/2010/main" val="3762361776"/>
+      </p:ext>
+    </p:extLst>
+  </p:cSld>
+  <p:clrMapOvr>
+    <a:masterClrMapping/>
+  </p:clrMapOvr>
+</p:sld>
+</file>
+
+<file path=ppt/slides/slide6.xml><?xml version="1.0" encoding="utf-8"?>
+<p:sld xmlns:a="http://schemas.openxmlformats.org/drawingml/2006/main" xmlns:r="http://schemas.openxmlformats.org/officeDocument/2006/relationships" xmlns:p="http://schemas.openxmlformats.org/presentationml/2006/main">
+  <p:cSld>
+    <p:spTree>
+      <p:nvGrpSpPr>
+        <p:cNvPr id="1" name=""/>
+        <p:cNvGrpSpPr/>
+        <p:nvPr/>
+      </p:nvGrpSpPr>
+      <p:grpSpPr>
+        <a:xfrm>
+          <a:off x="0" y="0"/>
+          <a:ext cx="0" cy="0"/>
+          <a:chOff x="0" y="0"/>
+          <a:chExt cx="0" cy="0"/>
+        </a:xfrm>
+      </p:grpSpPr>
+      <p:sp>
+        <p:nvSpPr>
+          <p:cNvPr id="8" name="สี่เหลี่ยมผืนผ้า 7">
+            <a:extLst>
+              <a:ext uri="{FF2B5EF4-FFF2-40B4-BE49-F238E27FC236}">
+                <a16:creationId xmlns:a16="http://schemas.microsoft.com/office/drawing/2014/main" id="{F53782B6-B1E3-3139-1A27-E724CDF20D1D}"/>
+              </a:ext>
+            </a:extLst>
+          </p:cNvPr>
+          <p:cNvSpPr/>
+          <p:nvPr/>
+        </p:nvSpPr>
+        <p:spPr>
+          <a:xfrm>
+            <a:off x="276044" y="310551"/>
+            <a:ext cx="8876581" cy="6087583"/>
+          </a:xfrm>
+          <a:prstGeom prst="rect">
+            <a:avLst/>
+          </a:prstGeom>
+          <a:solidFill>
+            <a:schemeClr val="bg1"/>
+          </a:solidFill>
+          <a:ln>
+            <a:solidFill>
+              <a:srgbClr val="002060"/>
+            </a:solidFill>
+          </a:ln>
+        </p:spPr>
+        <p:style>
+          <a:lnRef idx="2">
+            <a:schemeClr val="accent1">
+              <a:shade val="50000"/>
+            </a:schemeClr>
+          </a:lnRef>
+          <a:fillRef idx="1">
+            <a:schemeClr val="accent1"/>
+          </a:fillRef>
+          <a:effectRef idx="0">
+            <a:schemeClr val="accent1"/>
+          </a:effectRef>
+          <a:fontRef idx="minor">
+            <a:schemeClr val="lt1"/>
+          </a:fontRef>
+        </p:style>
+        <p:txBody>
+          <a:bodyPr rtlCol="0" anchor="ctr"/>
+          <a:lstStyle/>
+          <a:p>
+            <a:pPr algn="ctr"/>
+            <a:endParaRPr lang="th-TH"/>
+          </a:p>
+        </p:txBody>
+      </p:sp>
+      <p:sp>
+        <p:nvSpPr>
+          <p:cNvPr id="5" name="กล่องข้อความ 4">
+            <a:extLst>
+              <a:ext uri="{FF2B5EF4-FFF2-40B4-BE49-F238E27FC236}">
+                <a16:creationId xmlns:a16="http://schemas.microsoft.com/office/drawing/2014/main" id="{2D26A8CB-ED55-525D-A481-DAA968A30BDA}"/>
+              </a:ext>
+            </a:extLst>
+          </p:cNvPr>
+          <p:cNvSpPr txBox="1"/>
+          <p:nvPr/>
+        </p:nvSpPr>
+        <p:spPr>
+          <a:xfrm>
+            <a:off x="3568825" y="571035"/>
+            <a:ext cx="2452246" cy="4770537"/>
+          </a:xfrm>
+          <a:prstGeom prst="rect">
+            <a:avLst/>
+          </a:prstGeom>
+          <a:solidFill>
+            <a:schemeClr val="tx2">
+              <a:lumMod val="20000"/>
+              <a:lumOff val="80000"/>
+            </a:schemeClr>
+          </a:solidFill>
+        </p:spPr>
+        <p:txBody>
+          <a:bodyPr wrap="square" rtlCol="0">
+            <a:spAutoFit/>
+          </a:bodyPr>
+          <a:lstStyle/>
+          <a:p>
+            <a:r>
+              <a:rPr lang="en-US" sz="1600" dirty="0">
+                <a:latin typeface="Consolas" panose="020B0609020204030204" pitchFamily="49" charset="0"/>
+              </a:rPr>
+              <a:t>@startuml</a:t>
+            </a:r>
+          </a:p>
+          <a:p>
+            <a:r>
+              <a:rPr lang="en-US" sz="1600" dirty="0">
+                <a:latin typeface="Consolas" panose="020B0609020204030204" pitchFamily="49" charset="0"/>
+              </a:rPr>
+              <a:t>class book</a:t>
+            </a:r>
+          </a:p>
+          <a:p>
+            <a:r>
+              <a:rPr lang="en-US" sz="1600" dirty="0">
+                <a:latin typeface="Consolas" panose="020B0609020204030204" pitchFamily="49" charset="0"/>
+              </a:rPr>
+              <a:t>{</a:t>
+            </a:r>
+          </a:p>
+          <a:p>
+            <a:r>
+              <a:rPr lang="en-US" sz="1600" dirty="0">
+                <a:latin typeface="Consolas" panose="020B0609020204030204" pitchFamily="49" charset="0"/>
+              </a:rPr>
+              <a:t>  'attributes</a:t>
+            </a:r>
+          </a:p>
+          <a:p>
+            <a:r>
+              <a:rPr lang="en-US" sz="1600" dirty="0">
+                <a:latin typeface="Consolas" panose="020B0609020204030204" pitchFamily="49" charset="0"/>
+              </a:rPr>
+              <a:t>  Title</a:t>
+            </a:r>
+          </a:p>
+          <a:p>
+            <a:r>
+              <a:rPr lang="en-US" sz="1600" dirty="0">
+                <a:latin typeface="Consolas" panose="020B0609020204030204" pitchFamily="49" charset="0"/>
+              </a:rPr>
+              <a:t>  Author</a:t>
+            </a:r>
+          </a:p>
+          <a:p>
+            <a:r>
+              <a:rPr lang="en-US" sz="1600" dirty="0">
+                <a:latin typeface="Consolas" panose="020B0609020204030204" pitchFamily="49" charset="0"/>
+              </a:rPr>
+              <a:t>  Year</a:t>
+            </a:r>
+          </a:p>
+          <a:p>
+            <a:r>
+              <a:rPr lang="en-US" sz="1600" dirty="0">
+                <a:latin typeface="Consolas" panose="020B0609020204030204" pitchFamily="49" charset="0"/>
+              </a:rPr>
+              <a:t>  Publisher</a:t>
+            </a:r>
+          </a:p>
+          <a:p>
+            <a:r>
+              <a:rPr lang="en-US" sz="1600" dirty="0">
+                <a:latin typeface="Consolas" panose="020B0609020204030204" pitchFamily="49" charset="0"/>
+              </a:rPr>
+              <a:t>  Price</a:t>
+            </a:r>
+          </a:p>
+          <a:p>
+            <a:r>
+              <a:rPr lang="en-US" sz="1600" dirty="0">
+                <a:latin typeface="Consolas" panose="020B0609020204030204" pitchFamily="49" charset="0"/>
+              </a:rPr>
+              <a:t>  ...</a:t>
+            </a:r>
+          </a:p>
+          <a:p>
+            <a:r>
+              <a:rPr lang="en-US" sz="1600" dirty="0">
+                <a:latin typeface="Consolas" panose="020B0609020204030204" pitchFamily="49" charset="0"/>
+              </a:rPr>
+              <a:t>  'Methods()</a:t>
+            </a:r>
+          </a:p>
+          <a:p>
+            <a:r>
+              <a:rPr lang="en-US" sz="1600" dirty="0">
+                <a:latin typeface="Consolas" panose="020B0609020204030204" pitchFamily="49" charset="0"/>
+              </a:rPr>
+              <a:t>  </a:t>
+            </a:r>
+            <a:r>
+              <a:rPr lang="en-US" sz="1600" dirty="0" err="1">
+                <a:latin typeface="Consolas" panose="020B0609020204030204" pitchFamily="49" charset="0"/>
+              </a:rPr>
+              <a:t>SetTitle</a:t>
+            </a:r>
+            <a:r>
+              <a:rPr lang="en-US" sz="1600" dirty="0">
+                <a:latin typeface="Consolas" panose="020B0609020204030204" pitchFamily="49" charset="0"/>
+              </a:rPr>
+              <a:t>(...)</a:t>
+            </a:r>
+          </a:p>
+          <a:p>
+            <a:r>
+              <a:rPr lang="en-US" sz="1600" dirty="0">
+                <a:latin typeface="Consolas" panose="020B0609020204030204" pitchFamily="49" charset="0"/>
+              </a:rPr>
+              <a:t>  </a:t>
+            </a:r>
+            <a:r>
+              <a:rPr lang="en-US" sz="1600" dirty="0" err="1">
+                <a:latin typeface="Consolas" panose="020B0609020204030204" pitchFamily="49" charset="0"/>
+              </a:rPr>
+              <a:t>GetTitle</a:t>
+            </a:r>
+            <a:r>
+              <a:rPr lang="en-US" sz="1600" dirty="0">
+                <a:latin typeface="Consolas" panose="020B0609020204030204" pitchFamily="49" charset="0"/>
+              </a:rPr>
+              <a:t>()</a:t>
+            </a:r>
+          </a:p>
+          <a:p>
+            <a:r>
+              <a:rPr lang="en-US" sz="1600" dirty="0">
+                <a:latin typeface="Consolas" panose="020B0609020204030204" pitchFamily="49" charset="0"/>
+              </a:rPr>
+              <a:t>  </a:t>
+            </a:r>
+            <a:r>
+              <a:rPr lang="en-US" sz="1600" dirty="0" err="1">
+                <a:latin typeface="Consolas" panose="020B0609020204030204" pitchFamily="49" charset="0"/>
+              </a:rPr>
+              <a:t>SetAuthor</a:t>
+            </a:r>
+            <a:r>
+              <a:rPr lang="en-US" sz="1600" dirty="0">
+                <a:latin typeface="Consolas" panose="020B0609020204030204" pitchFamily="49" charset="0"/>
+              </a:rPr>
+              <a:t>(...)</a:t>
+            </a:r>
+          </a:p>
+          <a:p>
+            <a:r>
+              <a:rPr lang="en-US" sz="1600" dirty="0">
+                <a:latin typeface="Consolas" panose="020B0609020204030204" pitchFamily="49" charset="0"/>
+              </a:rPr>
+              <a:t>  </a:t>
+            </a:r>
+            <a:r>
+              <a:rPr lang="en-US" sz="1600" dirty="0" err="1">
+                <a:latin typeface="Consolas" panose="020B0609020204030204" pitchFamily="49" charset="0"/>
+              </a:rPr>
+              <a:t>GetYear</a:t>
+            </a:r>
+            <a:endParaRPr lang="en-US" sz="1600" dirty="0">
+              <a:latin typeface="Consolas" panose="020B0609020204030204" pitchFamily="49" charset="0"/>
+            </a:endParaRPr>
+          </a:p>
+          <a:p>
+            <a:r>
+              <a:rPr lang="en-US" sz="1600" dirty="0">
+                <a:latin typeface="Consolas" panose="020B0609020204030204" pitchFamily="49" charset="0"/>
+              </a:rPr>
+              <a:t>  </a:t>
+            </a:r>
+            <a:r>
+              <a:rPr lang="en-US" sz="1600" dirty="0" err="1">
+                <a:latin typeface="Consolas" panose="020B0609020204030204" pitchFamily="49" charset="0"/>
+              </a:rPr>
+              <a:t>SetYear</a:t>
+            </a:r>
+            <a:r>
+              <a:rPr lang="en-US" sz="1600" dirty="0">
+                <a:latin typeface="Consolas" panose="020B0609020204030204" pitchFamily="49" charset="0"/>
+              </a:rPr>
+              <a:t>(...)</a:t>
+            </a:r>
+          </a:p>
+          <a:p>
+            <a:r>
+              <a:rPr lang="en-US" sz="1600" dirty="0">
+                <a:latin typeface="Consolas" panose="020B0609020204030204" pitchFamily="49" charset="0"/>
+              </a:rPr>
+              <a:t>  ...()</a:t>
+            </a:r>
+          </a:p>
+          <a:p>
+            <a:r>
+              <a:rPr lang="en-US" sz="1600" dirty="0">
+                <a:latin typeface="Consolas" panose="020B0609020204030204" pitchFamily="49" charset="0"/>
+              </a:rPr>
+              <a:t>}</a:t>
+            </a:r>
+          </a:p>
+          <a:p>
+            <a:r>
+              <a:rPr lang="en-US" sz="1600" dirty="0">
+                <a:latin typeface="Consolas" panose="020B0609020204030204" pitchFamily="49" charset="0"/>
+              </a:rPr>
+              <a:t>@enduml</a:t>
+            </a:r>
+            <a:endParaRPr lang="th-TH" sz="1600" dirty="0">
+              <a:latin typeface="Consolas" panose="020B0609020204030204" pitchFamily="49" charset="0"/>
+            </a:endParaRPr>
+          </a:p>
+        </p:txBody>
+      </p:sp>
+      <p:sp>
+        <p:nvSpPr>
+          <p:cNvPr id="9" name="กล่องข้อความ 8">
+            <a:extLst>
+              <a:ext uri="{FF2B5EF4-FFF2-40B4-BE49-F238E27FC236}">
+                <a16:creationId xmlns:a16="http://schemas.microsoft.com/office/drawing/2014/main" id="{6F0BBCA9-B3E7-77E3-36C3-CD6228CBBCD0}"/>
+              </a:ext>
+            </a:extLst>
+          </p:cNvPr>
+          <p:cNvSpPr txBox="1"/>
+          <p:nvPr/>
+        </p:nvSpPr>
+        <p:spPr>
+          <a:xfrm>
+            <a:off x="756244" y="5551694"/>
+            <a:ext cx="2061713" cy="400110"/>
+          </a:xfrm>
+          <a:prstGeom prst="rect">
+            <a:avLst/>
+          </a:prstGeom>
+          <a:noFill/>
+        </p:spPr>
+        <p:txBody>
+          <a:bodyPr wrap="square" rtlCol="0">
+            <a:spAutoFit/>
+          </a:bodyPr>
+          <a:lstStyle/>
+          <a:p>
+            <a:pPr algn="ctr"/>
+            <a:r>
+              <a:rPr lang="en-US" sz="2000" dirty="0">
+                <a:solidFill>
+                  <a:srgbClr val="0070C0"/>
+                </a:solidFill>
+              </a:rPr>
+              <a:t>Class diagram</a:t>
+            </a:r>
+            <a:endParaRPr lang="th-TH" sz="2000" dirty="0">
+              <a:solidFill>
+                <a:srgbClr val="0070C0"/>
+              </a:solidFill>
+            </a:endParaRPr>
+          </a:p>
+        </p:txBody>
+      </p:sp>
+      <p:sp>
+        <p:nvSpPr>
+          <p:cNvPr id="10" name="กล่องข้อความ 9">
+            <a:extLst>
+              <a:ext uri="{FF2B5EF4-FFF2-40B4-BE49-F238E27FC236}">
+                <a16:creationId xmlns:a16="http://schemas.microsoft.com/office/drawing/2014/main" id="{3446A0A7-2474-B7D7-D706-BECE5494961A}"/>
+              </a:ext>
+            </a:extLst>
+          </p:cNvPr>
+          <p:cNvSpPr txBox="1"/>
+          <p:nvPr/>
+        </p:nvSpPr>
+        <p:spPr>
+          <a:xfrm>
+            <a:off x="3603683" y="5469743"/>
+            <a:ext cx="2221302" cy="400110"/>
+          </a:xfrm>
+          <a:prstGeom prst="rect">
+            <a:avLst/>
+          </a:prstGeom>
+          <a:noFill/>
+        </p:spPr>
+        <p:txBody>
+          <a:bodyPr wrap="square" rtlCol="0">
+            <a:spAutoFit/>
+          </a:bodyPr>
+          <a:lstStyle/>
+          <a:p>
+            <a:pPr algn="ctr"/>
+            <a:r>
+              <a:rPr lang="en-US" sz="2000" dirty="0">
+                <a:solidFill>
+                  <a:srgbClr val="0070C0"/>
+                </a:solidFill>
+              </a:rPr>
+              <a:t>PlantUML code</a:t>
+            </a:r>
+            <a:endParaRPr lang="th-TH" sz="2000" dirty="0">
+              <a:solidFill>
+                <a:srgbClr val="0070C0"/>
+              </a:solidFill>
+            </a:endParaRPr>
+          </a:p>
+        </p:txBody>
+      </p:sp>
+      <p:sp>
+        <p:nvSpPr>
+          <p:cNvPr id="11" name="กล่องข้อความ 10">
+            <a:extLst>
+              <a:ext uri="{FF2B5EF4-FFF2-40B4-BE49-F238E27FC236}">
+                <a16:creationId xmlns:a16="http://schemas.microsoft.com/office/drawing/2014/main" id="{927A5BEB-39E3-633A-7214-5A4669365DAE}"/>
+              </a:ext>
+            </a:extLst>
+          </p:cNvPr>
+          <p:cNvSpPr txBox="1"/>
+          <p:nvPr/>
+        </p:nvSpPr>
+        <p:spPr>
+          <a:xfrm>
+            <a:off x="6645064" y="4001010"/>
+            <a:ext cx="2221302" cy="400110"/>
+          </a:xfrm>
+          <a:prstGeom prst="rect">
+            <a:avLst/>
+          </a:prstGeom>
+          <a:noFill/>
+        </p:spPr>
+        <p:txBody>
+          <a:bodyPr wrap="square" rtlCol="0">
+            <a:spAutoFit/>
+          </a:bodyPr>
+          <a:lstStyle/>
+          <a:p>
+            <a:pPr algn="ctr"/>
+            <a:r>
+              <a:rPr lang="en-US" sz="2000" dirty="0">
+                <a:solidFill>
+                  <a:srgbClr val="0070C0"/>
+                </a:solidFill>
+              </a:rPr>
+              <a:t>Render output</a:t>
+            </a:r>
+            <a:endParaRPr lang="th-TH" sz="2000" dirty="0">
+              <a:solidFill>
+                <a:srgbClr val="0070C0"/>
+              </a:solidFill>
+            </a:endParaRPr>
+          </a:p>
+        </p:txBody>
+      </p:sp>
+      <p:sp>
+        <p:nvSpPr>
+          <p:cNvPr id="6" name="สี่เหลี่ยมผืนผ้า 5">
+            <a:extLst>
+              <a:ext uri="{FF2B5EF4-FFF2-40B4-BE49-F238E27FC236}">
+                <a16:creationId xmlns:a16="http://schemas.microsoft.com/office/drawing/2014/main" id="{267A9432-E980-A6A6-96CE-52F0EDDCD7C2}"/>
+              </a:ext>
+            </a:extLst>
+          </p:cNvPr>
+          <p:cNvSpPr/>
+          <p:nvPr/>
+        </p:nvSpPr>
+        <p:spPr>
+          <a:xfrm>
+            <a:off x="570778" y="659921"/>
+            <a:ext cx="2432649" cy="586595"/>
+          </a:xfrm>
+          <a:prstGeom prst="rect">
+            <a:avLst/>
+          </a:prstGeom>
+          <a:noFill/>
+          <a:ln w="19050">
+            <a:solidFill>
+              <a:schemeClr val="tx1"/>
+            </a:solidFill>
+          </a:ln>
+        </p:spPr>
+        <p:style>
+          <a:lnRef idx="2">
+            <a:schemeClr val="accent1">
+              <a:shade val="50000"/>
+            </a:schemeClr>
+          </a:lnRef>
+          <a:fillRef idx="1">
+            <a:schemeClr val="accent1"/>
+          </a:fillRef>
+          <a:effectRef idx="0">
+            <a:schemeClr val="accent1"/>
+          </a:effectRef>
+          <a:fontRef idx="minor">
+            <a:schemeClr val="lt1"/>
+          </a:fontRef>
+        </p:style>
+        <p:txBody>
+          <a:bodyPr rtlCol="0" anchor="ctr"/>
+          <a:lstStyle/>
+          <a:p>
+            <a:pPr algn="ctr"/>
+            <a:r>
+              <a:rPr lang="en-US" sz="2000" dirty="0">
+                <a:solidFill>
+                  <a:schemeClr val="tx1"/>
+                </a:solidFill>
+                <a:latin typeface="Consolas" panose="020B0609020204030204" pitchFamily="49" charset="0"/>
+              </a:rPr>
+              <a:t>Book</a:t>
+            </a:r>
+            <a:endParaRPr lang="th-TH" sz="2000" dirty="0">
+              <a:solidFill>
+                <a:schemeClr val="tx1"/>
+              </a:solidFill>
+              <a:latin typeface="Consolas" panose="020B0609020204030204" pitchFamily="49" charset="0"/>
+            </a:endParaRPr>
+          </a:p>
+        </p:txBody>
+      </p:sp>
+      <p:sp>
+        <p:nvSpPr>
+          <p:cNvPr id="12" name="สี่เหลี่ยมผืนผ้า 11">
+            <a:extLst>
+              <a:ext uri="{FF2B5EF4-FFF2-40B4-BE49-F238E27FC236}">
+                <a16:creationId xmlns:a16="http://schemas.microsoft.com/office/drawing/2014/main" id="{1051D039-C136-FB2D-35E2-DCA56917C589}"/>
+              </a:ext>
+            </a:extLst>
+          </p:cNvPr>
+          <p:cNvSpPr/>
+          <p:nvPr/>
+        </p:nvSpPr>
+        <p:spPr>
+          <a:xfrm>
+            <a:off x="570778" y="1246517"/>
+            <a:ext cx="2432649" cy="1802921"/>
+          </a:xfrm>
+          <a:prstGeom prst="rect">
+            <a:avLst/>
+          </a:prstGeom>
+          <a:noFill/>
+          <a:ln w="19050">
+            <a:solidFill>
+              <a:schemeClr val="tx1"/>
+            </a:solidFill>
+          </a:ln>
+        </p:spPr>
+        <p:style>
+          <a:lnRef idx="2">
+            <a:schemeClr val="accent1">
+              <a:shade val="50000"/>
+            </a:schemeClr>
+          </a:lnRef>
+          <a:fillRef idx="1">
+            <a:schemeClr val="accent1"/>
+          </a:fillRef>
+          <a:effectRef idx="0">
+            <a:schemeClr val="accent1"/>
+          </a:effectRef>
+          <a:fontRef idx="minor">
+            <a:schemeClr val="lt1"/>
+          </a:fontRef>
+        </p:style>
+        <p:txBody>
+          <a:bodyPr rtlCol="0" anchor="ctr"/>
+          <a:lstStyle/>
+          <a:p>
+            <a:r>
+              <a:rPr lang="en-US" sz="2000" dirty="0">
+                <a:solidFill>
+                  <a:schemeClr val="tx1"/>
+                </a:solidFill>
+                <a:latin typeface="Consolas" panose="020B0609020204030204" pitchFamily="49" charset="0"/>
+              </a:rPr>
+              <a:t>Title</a:t>
+            </a:r>
+          </a:p>
+          <a:p>
+            <a:r>
+              <a:rPr lang="en-US" sz="2000" dirty="0">
+                <a:solidFill>
+                  <a:schemeClr val="tx1"/>
+                </a:solidFill>
+                <a:latin typeface="Consolas" panose="020B0609020204030204" pitchFamily="49" charset="0"/>
+              </a:rPr>
+              <a:t>Author</a:t>
+            </a:r>
+          </a:p>
+          <a:p>
+            <a:r>
+              <a:rPr lang="en-US" sz="2000" dirty="0">
+                <a:solidFill>
+                  <a:schemeClr val="tx1"/>
+                </a:solidFill>
+                <a:latin typeface="Consolas" panose="020B0609020204030204" pitchFamily="49" charset="0"/>
+              </a:rPr>
+              <a:t>Year</a:t>
+            </a:r>
+          </a:p>
+          <a:p>
+            <a:r>
+              <a:rPr lang="en-US" sz="2000" dirty="0">
+                <a:solidFill>
+                  <a:schemeClr val="tx1"/>
+                </a:solidFill>
+                <a:latin typeface="Consolas" panose="020B0609020204030204" pitchFamily="49" charset="0"/>
+              </a:rPr>
+              <a:t>Publisher</a:t>
+            </a:r>
+          </a:p>
+          <a:p>
+            <a:r>
+              <a:rPr lang="en-US" sz="2000" dirty="0">
+                <a:solidFill>
+                  <a:schemeClr val="tx1"/>
+                </a:solidFill>
+                <a:latin typeface="Consolas" panose="020B0609020204030204" pitchFamily="49" charset="0"/>
+              </a:rPr>
+              <a:t>Price</a:t>
+            </a:r>
+          </a:p>
+          <a:p>
+            <a:r>
+              <a:rPr lang="en-US" sz="2000" dirty="0">
+                <a:solidFill>
+                  <a:schemeClr val="tx1"/>
+                </a:solidFill>
+                <a:latin typeface="Consolas" panose="020B0609020204030204" pitchFamily="49" charset="0"/>
+              </a:rPr>
+              <a:t>...</a:t>
+            </a:r>
+            <a:endParaRPr lang="th-TH" sz="2000" dirty="0">
+              <a:solidFill>
+                <a:schemeClr val="tx1"/>
+              </a:solidFill>
+              <a:latin typeface="Consolas" panose="020B0609020204030204" pitchFamily="49" charset="0"/>
+            </a:endParaRPr>
+          </a:p>
+        </p:txBody>
+      </p:sp>
+      <p:sp>
+        <p:nvSpPr>
+          <p:cNvPr id="13" name="สี่เหลี่ยมผืนผ้า 12">
+            <a:extLst>
+              <a:ext uri="{FF2B5EF4-FFF2-40B4-BE49-F238E27FC236}">
+                <a16:creationId xmlns:a16="http://schemas.microsoft.com/office/drawing/2014/main" id="{12BB64A1-5F65-1240-FFA4-ADEA8BABEDC5}"/>
+              </a:ext>
+            </a:extLst>
+          </p:cNvPr>
+          <p:cNvSpPr/>
+          <p:nvPr/>
+        </p:nvSpPr>
+        <p:spPr>
+          <a:xfrm>
+            <a:off x="570777" y="3049438"/>
+            <a:ext cx="2432649" cy="2303254"/>
+          </a:xfrm>
+          <a:prstGeom prst="rect">
+            <a:avLst/>
+          </a:prstGeom>
+          <a:noFill/>
+          <a:ln w="19050">
+            <a:solidFill>
+              <a:schemeClr val="tx1"/>
+            </a:solidFill>
+          </a:ln>
+        </p:spPr>
+        <p:style>
+          <a:lnRef idx="2">
+            <a:schemeClr val="accent1">
+              <a:shade val="50000"/>
+            </a:schemeClr>
+          </a:lnRef>
+          <a:fillRef idx="1">
+            <a:schemeClr val="accent1"/>
+          </a:fillRef>
+          <a:effectRef idx="0">
+            <a:schemeClr val="accent1"/>
+          </a:effectRef>
+          <a:fontRef idx="minor">
+            <a:schemeClr val="lt1"/>
+          </a:fontRef>
+        </p:style>
+        <p:txBody>
+          <a:bodyPr rtlCol="0" anchor="ctr"/>
+          <a:lstStyle/>
+          <a:p>
+            <a:r>
+              <a:rPr lang="en-US" sz="2000" dirty="0" err="1">
+                <a:solidFill>
+                  <a:schemeClr val="tx1"/>
+                </a:solidFill>
+                <a:latin typeface="Consolas" panose="020B0609020204030204" pitchFamily="49" charset="0"/>
+              </a:rPr>
+              <a:t>SetTitle</a:t>
+            </a:r>
+            <a:r>
+              <a:rPr lang="en-US" sz="2000" dirty="0">
+                <a:solidFill>
+                  <a:schemeClr val="tx1"/>
+                </a:solidFill>
+                <a:latin typeface="Consolas" panose="020B0609020204030204" pitchFamily="49" charset="0"/>
+              </a:rPr>
+              <a:t>(...)</a:t>
+            </a:r>
+          </a:p>
+          <a:p>
+            <a:r>
+              <a:rPr lang="en-US" sz="2000" dirty="0" err="1">
+                <a:solidFill>
+                  <a:schemeClr val="tx1"/>
+                </a:solidFill>
+                <a:latin typeface="Consolas" panose="020B0609020204030204" pitchFamily="49" charset="0"/>
+              </a:rPr>
+              <a:t>GetTitle</a:t>
+            </a:r>
+            <a:r>
+              <a:rPr lang="en-US" sz="2000" dirty="0">
+                <a:solidFill>
+                  <a:schemeClr val="tx1"/>
+                </a:solidFill>
+                <a:latin typeface="Consolas" panose="020B0609020204030204" pitchFamily="49" charset="0"/>
+              </a:rPr>
+              <a:t>()</a:t>
+            </a:r>
+          </a:p>
+          <a:p>
+            <a:r>
+              <a:rPr lang="en-US" sz="2000" dirty="0" err="1">
+                <a:solidFill>
+                  <a:schemeClr val="tx1"/>
+                </a:solidFill>
+                <a:latin typeface="Consolas" panose="020B0609020204030204" pitchFamily="49" charset="0"/>
+              </a:rPr>
+              <a:t>SetAuthor</a:t>
+            </a:r>
+            <a:r>
+              <a:rPr lang="en-US" sz="2000" dirty="0">
+                <a:solidFill>
+                  <a:schemeClr val="tx1"/>
+                </a:solidFill>
+                <a:latin typeface="Consolas" panose="020B0609020204030204" pitchFamily="49" charset="0"/>
+              </a:rPr>
+              <a:t>(...)</a:t>
+            </a:r>
+          </a:p>
+          <a:p>
+            <a:r>
+              <a:rPr lang="en-US" sz="2000" dirty="0" err="1">
+                <a:solidFill>
+                  <a:schemeClr val="tx1"/>
+                </a:solidFill>
+                <a:latin typeface="Consolas" panose="020B0609020204030204" pitchFamily="49" charset="0"/>
+              </a:rPr>
+              <a:t>GetYear</a:t>
+            </a:r>
+            <a:endParaRPr lang="en-US" sz="2000" dirty="0">
+              <a:solidFill>
+                <a:schemeClr val="tx1"/>
+              </a:solidFill>
+              <a:latin typeface="Consolas" panose="020B0609020204030204" pitchFamily="49" charset="0"/>
+            </a:endParaRPr>
+          </a:p>
+          <a:p>
+            <a:r>
+              <a:rPr lang="en-US" sz="2000" dirty="0" err="1">
+                <a:solidFill>
+                  <a:schemeClr val="tx1"/>
+                </a:solidFill>
+                <a:latin typeface="Consolas" panose="020B0609020204030204" pitchFamily="49" charset="0"/>
+              </a:rPr>
+              <a:t>SetYear</a:t>
+            </a:r>
+            <a:r>
+              <a:rPr lang="en-US" sz="2000" dirty="0">
+                <a:solidFill>
+                  <a:schemeClr val="tx1"/>
+                </a:solidFill>
+                <a:latin typeface="Consolas" panose="020B0609020204030204" pitchFamily="49" charset="0"/>
+              </a:rPr>
+              <a:t>(...)</a:t>
+            </a:r>
+          </a:p>
+          <a:p>
+            <a:r>
+              <a:rPr lang="en-US" sz="2000" dirty="0">
+                <a:solidFill>
+                  <a:schemeClr val="tx1"/>
+                </a:solidFill>
+                <a:latin typeface="Consolas" panose="020B0609020204030204" pitchFamily="49" charset="0"/>
+              </a:rPr>
+              <a:t>...</a:t>
+            </a:r>
+          </a:p>
+          <a:p>
+            <a:pPr algn="ctr"/>
+            <a:endParaRPr lang="th-TH" sz="2000" dirty="0">
+              <a:solidFill>
+                <a:schemeClr val="tx1"/>
+              </a:solidFill>
+              <a:latin typeface="Consolas" panose="020B0609020204030204" pitchFamily="49" charset="0"/>
+            </a:endParaRPr>
+          </a:p>
+        </p:txBody>
+      </p:sp>
+      <p:pic>
+        <p:nvPicPr>
+          <p:cNvPr id="15" name="รูปภาพ 14" descr="รูปภาพประกอบด้วย โต๊ะ&#10;&#10;คำอธิบายที่สร้างโดยอัตโนมัติ">
+            <a:extLst>
+              <a:ext uri="{FF2B5EF4-FFF2-40B4-BE49-F238E27FC236}">
+                <a16:creationId xmlns:a16="http://schemas.microsoft.com/office/drawing/2014/main" id="{A1602966-7F14-DEEE-0F2D-ED2376C01646}"/>
+              </a:ext>
+            </a:extLst>
+          </p:cNvPr>
+          <p:cNvPicPr>
+            <a:picLocks noChangeAspect="1"/>
+          </p:cNvPicPr>
+          <p:nvPr/>
+        </p:nvPicPr>
+        <p:blipFill>
+          <a:blip r:embed="rId2">
+            <a:extLst>
+              <a:ext uri="{28A0092B-C50C-407E-A947-70E740481C1C}">
+                <a14:useLocalDpi xmlns:a14="http://schemas.microsoft.com/office/drawing/2010/main" val="0"/>
+              </a:ext>
+            </a:extLst>
+          </a:blip>
+          <a:stretch>
+            <a:fillRect/>
+          </a:stretch>
+        </p:blipFill>
+        <p:spPr>
+          <a:xfrm>
+            <a:off x="7036477" y="1178477"/>
+            <a:ext cx="1438476" cy="2810267"/>
+          </a:xfrm>
+          <a:prstGeom prst="rect">
+            <a:avLst/>
+          </a:prstGeom>
+        </p:spPr>
+      </p:pic>
+    </p:spTree>
+    <p:extLst>
+      <p:ext uri="{BB962C8B-B14F-4D97-AF65-F5344CB8AC3E}">
+        <p14:creationId xmlns:p14="http://schemas.microsoft.com/office/powerpoint/2010/main" val="907084643"/>
+      </p:ext>
+    </p:extLst>
+  </p:cSld>
+  <p:clrMapOvr>
+    <a:masterClrMapping/>
+  </p:clrMapOvr>
+</p:sld>
+</file>
+
+<file path=ppt/slides/slide7.xml><?xml version="1.0" encoding="utf-8"?>
+<p:sld xmlns:a="http://schemas.openxmlformats.org/drawingml/2006/main" xmlns:r="http://schemas.openxmlformats.org/officeDocument/2006/relationships" xmlns:p="http://schemas.openxmlformats.org/presentationml/2006/main">
+  <p:cSld>
+    <p:spTree>
+      <p:nvGrpSpPr>
+        <p:cNvPr id="1" name=""/>
+        <p:cNvGrpSpPr/>
+        <p:nvPr/>
+      </p:nvGrpSpPr>
+      <p:grpSpPr>
+        <a:xfrm>
+          <a:off x="0" y="0"/>
+          <a:ext cx="0" cy="0"/>
+          <a:chOff x="0" y="0"/>
+          <a:chExt cx="0" cy="0"/>
+        </a:xfrm>
+      </p:grpSpPr>
+      <p:sp>
+        <p:nvSpPr>
+          <p:cNvPr id="8" name="สี่เหลี่ยมผืนผ้า 7">
+            <a:extLst>
+              <a:ext uri="{FF2B5EF4-FFF2-40B4-BE49-F238E27FC236}">
+                <a16:creationId xmlns:a16="http://schemas.microsoft.com/office/drawing/2014/main" id="{F53782B6-B1E3-3139-1A27-E724CDF20D1D}"/>
+              </a:ext>
+            </a:extLst>
+          </p:cNvPr>
+          <p:cNvSpPr/>
+          <p:nvPr/>
+        </p:nvSpPr>
+        <p:spPr>
+          <a:xfrm>
+            <a:off x="103516" y="310551"/>
+            <a:ext cx="10679503" cy="5641253"/>
+          </a:xfrm>
+          <a:prstGeom prst="rect">
+            <a:avLst/>
+          </a:prstGeom>
+          <a:solidFill>
+            <a:schemeClr val="bg1"/>
+          </a:solidFill>
+          <a:ln>
+            <a:solidFill>
+              <a:srgbClr val="002060"/>
+            </a:solidFill>
+          </a:ln>
+        </p:spPr>
+        <p:style>
+          <a:lnRef idx="2">
+            <a:schemeClr val="accent1">
+              <a:shade val="50000"/>
+            </a:schemeClr>
+          </a:lnRef>
+          <a:fillRef idx="1">
+            <a:schemeClr val="accent1"/>
+          </a:fillRef>
+          <a:effectRef idx="0">
+            <a:schemeClr val="accent1"/>
+          </a:effectRef>
+          <a:fontRef idx="minor">
+            <a:schemeClr val="lt1"/>
+          </a:fontRef>
+        </p:style>
+        <p:txBody>
+          <a:bodyPr rtlCol="0" anchor="ctr"/>
+          <a:lstStyle/>
+          <a:p>
+            <a:pPr algn="ctr"/>
+            <a:endParaRPr lang="th-TH"/>
+          </a:p>
+        </p:txBody>
+      </p:sp>
+      <p:sp>
+        <p:nvSpPr>
+          <p:cNvPr id="9" name="กล่องข้อความ 8">
+            <a:extLst>
+              <a:ext uri="{FF2B5EF4-FFF2-40B4-BE49-F238E27FC236}">
+                <a16:creationId xmlns:a16="http://schemas.microsoft.com/office/drawing/2014/main" id="{6F0BBCA9-B3E7-77E3-36C3-CD6228CBBCD0}"/>
+              </a:ext>
+            </a:extLst>
+          </p:cNvPr>
+          <p:cNvSpPr txBox="1"/>
+          <p:nvPr/>
+        </p:nvSpPr>
+        <p:spPr>
+          <a:xfrm>
+            <a:off x="756244" y="5551694"/>
+            <a:ext cx="2061713" cy="400110"/>
+          </a:xfrm>
+          <a:prstGeom prst="rect">
+            <a:avLst/>
+          </a:prstGeom>
+          <a:noFill/>
+        </p:spPr>
+        <p:txBody>
+          <a:bodyPr wrap="square" rtlCol="0">
+            <a:spAutoFit/>
+          </a:bodyPr>
+          <a:lstStyle/>
+          <a:p>
+            <a:pPr algn="ctr"/>
+            <a:r>
+              <a:rPr lang="en-US" sz="2000" dirty="0">
+                <a:solidFill>
+                  <a:srgbClr val="0070C0"/>
+                </a:solidFill>
+              </a:rPr>
+              <a:t>Class diagram</a:t>
+            </a:r>
+            <a:endParaRPr lang="th-TH" sz="2000" dirty="0">
+              <a:solidFill>
+                <a:srgbClr val="0070C0"/>
+              </a:solidFill>
+            </a:endParaRPr>
+          </a:p>
+        </p:txBody>
+      </p:sp>
+      <p:sp>
+        <p:nvSpPr>
+          <p:cNvPr id="10" name="กล่องข้อความ 9">
+            <a:extLst>
+              <a:ext uri="{FF2B5EF4-FFF2-40B4-BE49-F238E27FC236}">
+                <a16:creationId xmlns:a16="http://schemas.microsoft.com/office/drawing/2014/main" id="{3446A0A7-2474-B7D7-D706-BECE5494961A}"/>
+              </a:ext>
+            </a:extLst>
+          </p:cNvPr>
+          <p:cNvSpPr txBox="1"/>
+          <p:nvPr/>
+        </p:nvSpPr>
+        <p:spPr>
+          <a:xfrm>
+            <a:off x="5064607" y="5476594"/>
+            <a:ext cx="2221302" cy="400110"/>
+          </a:xfrm>
+          <a:prstGeom prst="rect">
+            <a:avLst/>
+          </a:prstGeom>
+          <a:noFill/>
+        </p:spPr>
+        <p:txBody>
+          <a:bodyPr wrap="square" rtlCol="0">
+            <a:spAutoFit/>
+          </a:bodyPr>
+          <a:lstStyle/>
+          <a:p>
+            <a:pPr algn="ctr"/>
+            <a:r>
+              <a:rPr lang="en-US" sz="2000" dirty="0">
+                <a:solidFill>
+                  <a:srgbClr val="0070C0"/>
+                </a:solidFill>
+              </a:rPr>
+              <a:t>PlantUML code</a:t>
+            </a:r>
+            <a:endParaRPr lang="th-TH" sz="2000" dirty="0">
+              <a:solidFill>
+                <a:srgbClr val="0070C0"/>
+              </a:solidFill>
+            </a:endParaRPr>
+          </a:p>
+        </p:txBody>
+      </p:sp>
+      <p:sp>
+        <p:nvSpPr>
+          <p:cNvPr id="11" name="กล่องข้อความ 10">
+            <a:extLst>
+              <a:ext uri="{FF2B5EF4-FFF2-40B4-BE49-F238E27FC236}">
+                <a16:creationId xmlns:a16="http://schemas.microsoft.com/office/drawing/2014/main" id="{927A5BEB-39E3-633A-7214-5A4669365DAE}"/>
+              </a:ext>
+            </a:extLst>
+          </p:cNvPr>
+          <p:cNvSpPr txBox="1"/>
+          <p:nvPr/>
+        </p:nvSpPr>
+        <p:spPr>
+          <a:xfrm>
+            <a:off x="8509163" y="4566635"/>
+            <a:ext cx="2221302" cy="400110"/>
+          </a:xfrm>
+          <a:prstGeom prst="rect">
+            <a:avLst/>
+          </a:prstGeom>
+          <a:noFill/>
+        </p:spPr>
+        <p:txBody>
+          <a:bodyPr wrap="square" rtlCol="0">
+            <a:spAutoFit/>
+          </a:bodyPr>
+          <a:lstStyle/>
+          <a:p>
+            <a:pPr algn="ctr"/>
+            <a:r>
+              <a:rPr lang="en-US" sz="2000" dirty="0">
+                <a:solidFill>
+                  <a:srgbClr val="0070C0"/>
+                </a:solidFill>
+              </a:rPr>
+              <a:t>Render output</a:t>
+            </a:r>
+            <a:endParaRPr lang="th-TH" sz="2000" dirty="0">
+              <a:solidFill>
+                <a:srgbClr val="0070C0"/>
+              </a:solidFill>
+            </a:endParaRPr>
+          </a:p>
+        </p:txBody>
+      </p:sp>
+      <p:grpSp>
+        <p:nvGrpSpPr>
+          <p:cNvPr id="7" name="กลุ่ม 6">
+            <a:extLst>
+              <a:ext uri="{FF2B5EF4-FFF2-40B4-BE49-F238E27FC236}">
+                <a16:creationId xmlns:a16="http://schemas.microsoft.com/office/drawing/2014/main" id="{7DF02F23-696C-EA30-8C01-16810A72BE94}"/>
+              </a:ext>
+            </a:extLst>
+          </p:cNvPr>
+          <p:cNvGrpSpPr/>
+          <p:nvPr/>
+        </p:nvGrpSpPr>
+        <p:grpSpPr>
+          <a:xfrm>
+            <a:off x="255916" y="584737"/>
+            <a:ext cx="3735238" cy="4692771"/>
+            <a:chOff x="7927674" y="1319842"/>
+            <a:chExt cx="3735238" cy="4692771"/>
+          </a:xfrm>
+        </p:grpSpPr>
+        <p:sp>
+          <p:nvSpPr>
+            <p:cNvPr id="2" name="สี่เหลี่ยมผืนผ้า 1">
+              <a:extLst>
+                <a:ext uri="{FF2B5EF4-FFF2-40B4-BE49-F238E27FC236}">
+                  <a16:creationId xmlns:a16="http://schemas.microsoft.com/office/drawing/2014/main" id="{FD5236E7-DEED-EB79-D2D6-D3993D0AE094}"/>
+                </a:ext>
+              </a:extLst>
+            </p:cNvPr>
+            <p:cNvSpPr/>
+            <p:nvPr/>
+          </p:nvSpPr>
+          <p:spPr>
+            <a:xfrm>
+              <a:off x="7927675" y="1319842"/>
+              <a:ext cx="3735237" cy="586595"/>
+            </a:xfrm>
+            <a:prstGeom prst="rect">
+              <a:avLst/>
+            </a:prstGeom>
+            <a:noFill/>
+            <a:ln w="19050">
+              <a:solidFill>
+                <a:schemeClr val="tx1"/>
+              </a:solidFill>
+            </a:ln>
+          </p:spPr>
+          <p:style>
+            <a:lnRef idx="2">
+              <a:schemeClr val="accent1">
+                <a:shade val="50000"/>
+              </a:schemeClr>
+            </a:lnRef>
+            <a:fillRef idx="1">
+              <a:schemeClr val="accent1"/>
+            </a:fillRef>
+            <a:effectRef idx="0">
+              <a:schemeClr val="accent1"/>
+            </a:effectRef>
+            <a:fontRef idx="minor">
+              <a:schemeClr val="lt1"/>
+            </a:fontRef>
+          </p:style>
+          <p:txBody>
+            <a:bodyPr rtlCol="0" anchor="ctr"/>
+            <a:lstStyle/>
+            <a:p>
+              <a:pPr algn="ctr"/>
+              <a:r>
+                <a:rPr lang="en-US" sz="2000" dirty="0">
+                  <a:solidFill>
+                    <a:schemeClr val="tx1"/>
+                  </a:solidFill>
+                  <a:latin typeface="Consolas" panose="020B0609020204030204" pitchFamily="49" charset="0"/>
+                </a:rPr>
+                <a:t>Book</a:t>
+              </a:r>
+              <a:endParaRPr lang="th-TH" sz="2000" dirty="0">
+                <a:solidFill>
+                  <a:schemeClr val="tx1"/>
+                </a:solidFill>
+                <a:latin typeface="Consolas" panose="020B0609020204030204" pitchFamily="49" charset="0"/>
+              </a:endParaRPr>
+            </a:p>
+          </p:txBody>
+        </p:sp>
+        <p:sp>
+          <p:nvSpPr>
+            <p:cNvPr id="3" name="สี่เหลี่ยมผืนผ้า 2">
+              <a:extLst>
+                <a:ext uri="{FF2B5EF4-FFF2-40B4-BE49-F238E27FC236}">
+                  <a16:creationId xmlns:a16="http://schemas.microsoft.com/office/drawing/2014/main" id="{2BD49AD4-00F7-D11E-3DB2-08CC52EE6588}"/>
+                </a:ext>
+              </a:extLst>
+            </p:cNvPr>
+            <p:cNvSpPr/>
+            <p:nvPr/>
+          </p:nvSpPr>
+          <p:spPr>
+            <a:xfrm>
+              <a:off x="7927675" y="1906438"/>
+              <a:ext cx="3735237" cy="1802921"/>
+            </a:xfrm>
+            <a:prstGeom prst="rect">
+              <a:avLst/>
+            </a:prstGeom>
+            <a:noFill/>
+            <a:ln w="19050">
+              <a:solidFill>
+                <a:schemeClr val="tx1"/>
+              </a:solidFill>
+            </a:ln>
+          </p:spPr>
+          <p:style>
+            <a:lnRef idx="2">
+              <a:schemeClr val="accent1">
+                <a:shade val="50000"/>
+              </a:schemeClr>
+            </a:lnRef>
+            <a:fillRef idx="1">
+              <a:schemeClr val="accent1"/>
+            </a:fillRef>
+            <a:effectRef idx="0">
+              <a:schemeClr val="accent1"/>
+            </a:effectRef>
+            <a:fontRef idx="minor">
+              <a:schemeClr val="lt1"/>
+            </a:fontRef>
+          </p:style>
+          <p:txBody>
+            <a:bodyPr rtlCol="0" anchor="ctr"/>
+            <a:lstStyle/>
+            <a:p>
+              <a:r>
+                <a:rPr lang="en-US" sz="2000" dirty="0">
+                  <a:solidFill>
+                    <a:schemeClr val="tx1"/>
+                  </a:solidFill>
+                  <a:latin typeface="Consolas" panose="020B0609020204030204" pitchFamily="49" charset="0"/>
+                </a:rPr>
+                <a:t>Title : string</a:t>
+              </a:r>
+            </a:p>
+            <a:p>
+              <a:r>
+                <a:rPr lang="en-US" sz="2000" dirty="0">
+                  <a:solidFill>
+                    <a:schemeClr val="tx1"/>
+                  </a:solidFill>
+                  <a:latin typeface="Consolas" panose="020B0609020204030204" pitchFamily="49" charset="0"/>
+                </a:rPr>
+                <a:t>Author : string</a:t>
+              </a:r>
+            </a:p>
+            <a:p>
+              <a:r>
+                <a:rPr lang="en-US" sz="2000" dirty="0">
+                  <a:solidFill>
+                    <a:schemeClr val="tx1"/>
+                  </a:solidFill>
+                  <a:latin typeface="Consolas" panose="020B0609020204030204" pitchFamily="49" charset="0"/>
+                </a:rPr>
+                <a:t>Year : int</a:t>
+              </a:r>
+            </a:p>
+            <a:p>
+              <a:r>
+                <a:rPr lang="en-US" sz="2000" dirty="0">
+                  <a:solidFill>
+                    <a:schemeClr val="tx1"/>
+                  </a:solidFill>
+                  <a:latin typeface="Consolas" panose="020B0609020204030204" pitchFamily="49" charset="0"/>
+                </a:rPr>
+                <a:t>Publisher : string</a:t>
+              </a:r>
+            </a:p>
+            <a:p>
+              <a:r>
+                <a:rPr lang="en-US" sz="2000" dirty="0">
+                  <a:solidFill>
+                    <a:schemeClr val="tx1"/>
+                  </a:solidFill>
+                  <a:latin typeface="Consolas" panose="020B0609020204030204" pitchFamily="49" charset="0"/>
+                </a:rPr>
+                <a:t>Price : decimal</a:t>
+              </a:r>
+            </a:p>
+            <a:p>
+              <a:r>
+                <a:rPr lang="en-US" sz="2000" dirty="0">
+                  <a:solidFill>
+                    <a:schemeClr val="tx1"/>
+                  </a:solidFill>
+                  <a:latin typeface="Consolas" panose="020B0609020204030204" pitchFamily="49" charset="0"/>
+                </a:rPr>
+                <a:t>...</a:t>
+              </a:r>
+              <a:endParaRPr lang="th-TH" sz="2000" dirty="0">
+                <a:solidFill>
+                  <a:schemeClr val="tx1"/>
+                </a:solidFill>
+                <a:latin typeface="Consolas" panose="020B0609020204030204" pitchFamily="49" charset="0"/>
+              </a:endParaRPr>
+            </a:p>
+          </p:txBody>
+        </p:sp>
+        <p:sp>
+          <p:nvSpPr>
+            <p:cNvPr id="4" name="สี่เหลี่ยมผืนผ้า 3">
+              <a:extLst>
+                <a:ext uri="{FF2B5EF4-FFF2-40B4-BE49-F238E27FC236}">
+                  <a16:creationId xmlns:a16="http://schemas.microsoft.com/office/drawing/2014/main" id="{ED40AF2D-133B-07AB-7F00-C2C961A3F2DE}"/>
+                </a:ext>
+              </a:extLst>
+            </p:cNvPr>
+            <p:cNvSpPr/>
+            <p:nvPr/>
+          </p:nvSpPr>
+          <p:spPr>
+            <a:xfrm>
+              <a:off x="7927674" y="3709359"/>
+              <a:ext cx="3735237" cy="2303254"/>
+            </a:xfrm>
+            <a:prstGeom prst="rect">
+              <a:avLst/>
+            </a:prstGeom>
+            <a:noFill/>
+            <a:ln w="19050">
+              <a:solidFill>
+                <a:schemeClr val="tx1"/>
+              </a:solidFill>
+            </a:ln>
+          </p:spPr>
+          <p:style>
+            <a:lnRef idx="2">
+              <a:schemeClr val="accent1">
+                <a:shade val="50000"/>
+              </a:schemeClr>
+            </a:lnRef>
+            <a:fillRef idx="1">
+              <a:schemeClr val="accent1"/>
+            </a:fillRef>
+            <a:effectRef idx="0">
+              <a:schemeClr val="accent1"/>
+            </a:effectRef>
+            <a:fontRef idx="minor">
+              <a:schemeClr val="lt1"/>
+            </a:fontRef>
+          </p:style>
+          <p:txBody>
+            <a:bodyPr rtlCol="0" anchor="ctr"/>
+            <a:lstStyle/>
+            <a:p>
+              <a:r>
+                <a:rPr lang="en-US" sz="2000" dirty="0" err="1">
+                  <a:solidFill>
+                    <a:schemeClr val="tx1"/>
+                  </a:solidFill>
+                  <a:latin typeface="Consolas" panose="020B0609020204030204" pitchFamily="49" charset="0"/>
+                </a:rPr>
+                <a:t>SetTitle</a:t>
+              </a:r>
+              <a:r>
+                <a:rPr lang="en-US" sz="2000" dirty="0">
+                  <a:solidFill>
+                    <a:schemeClr val="tx1"/>
+                  </a:solidFill>
+                  <a:latin typeface="Consolas" panose="020B0609020204030204" pitchFamily="49" charset="0"/>
+                </a:rPr>
+                <a:t>(string)</a:t>
+              </a:r>
+            </a:p>
+            <a:p>
+              <a:r>
+                <a:rPr lang="en-US" sz="2000" dirty="0" err="1">
+                  <a:solidFill>
+                    <a:schemeClr val="tx1"/>
+                  </a:solidFill>
+                  <a:latin typeface="Consolas" panose="020B0609020204030204" pitchFamily="49" charset="0"/>
+                </a:rPr>
+                <a:t>GetTitle</a:t>
+              </a:r>
+              <a:r>
+                <a:rPr lang="en-US" sz="2000" dirty="0">
+                  <a:solidFill>
+                    <a:schemeClr val="tx1"/>
+                  </a:solidFill>
+                  <a:latin typeface="Consolas" panose="020B0609020204030204" pitchFamily="49" charset="0"/>
+                </a:rPr>
+                <a:t>() : string</a:t>
+              </a:r>
+            </a:p>
+            <a:p>
+              <a:r>
+                <a:rPr lang="en-US" sz="2000" dirty="0" err="1">
+                  <a:solidFill>
+                    <a:schemeClr val="tx1"/>
+                  </a:solidFill>
+                  <a:latin typeface="Consolas" panose="020B0609020204030204" pitchFamily="49" charset="0"/>
+                </a:rPr>
+                <a:t>SetAuthor</a:t>
+              </a:r>
+              <a:r>
+                <a:rPr lang="en-US" sz="2000" dirty="0">
+                  <a:solidFill>
+                    <a:schemeClr val="tx1"/>
+                  </a:solidFill>
+                  <a:latin typeface="Consolas" panose="020B0609020204030204" pitchFamily="49" charset="0"/>
+                </a:rPr>
+                <a:t>(string)</a:t>
+              </a:r>
+            </a:p>
+            <a:p>
+              <a:r>
+                <a:rPr lang="en-US" sz="2000" dirty="0" err="1">
+                  <a:solidFill>
+                    <a:schemeClr val="tx1"/>
+                  </a:solidFill>
+                  <a:latin typeface="Consolas" panose="020B0609020204030204" pitchFamily="49" charset="0"/>
+                </a:rPr>
+                <a:t>GetYear</a:t>
+              </a:r>
+              <a:r>
+                <a:rPr lang="en-US" sz="2000" dirty="0">
+                  <a:solidFill>
+                    <a:schemeClr val="tx1"/>
+                  </a:solidFill>
+                  <a:latin typeface="Consolas" panose="020B0609020204030204" pitchFamily="49" charset="0"/>
+                </a:rPr>
+                <a:t>() : int</a:t>
+              </a:r>
+            </a:p>
+            <a:p>
+              <a:r>
+                <a:rPr lang="en-US" sz="2000" dirty="0" err="1">
+                  <a:solidFill>
+                    <a:schemeClr val="tx1"/>
+                  </a:solidFill>
+                  <a:latin typeface="Consolas" panose="020B0609020204030204" pitchFamily="49" charset="0"/>
+                </a:rPr>
+                <a:t>SetYear</a:t>
+              </a:r>
+              <a:r>
+                <a:rPr lang="en-US" sz="2000" dirty="0">
+                  <a:solidFill>
+                    <a:schemeClr val="tx1"/>
+                  </a:solidFill>
+                  <a:latin typeface="Consolas" panose="020B0609020204030204" pitchFamily="49" charset="0"/>
+                </a:rPr>
+                <a:t>(int)</a:t>
+              </a:r>
+            </a:p>
+            <a:p>
+              <a:r>
+                <a:rPr lang="en-US" sz="2000" dirty="0">
+                  <a:solidFill>
+                    <a:schemeClr val="tx1"/>
+                  </a:solidFill>
+                  <a:latin typeface="Consolas" panose="020B0609020204030204" pitchFamily="49" charset="0"/>
+                </a:rPr>
+                <a:t>...</a:t>
+              </a:r>
+            </a:p>
+            <a:p>
+              <a:pPr algn="ctr"/>
+              <a:endParaRPr lang="th-TH" sz="2000" dirty="0">
+                <a:solidFill>
+                  <a:schemeClr val="tx1"/>
+                </a:solidFill>
+                <a:latin typeface="Consolas" panose="020B0609020204030204" pitchFamily="49" charset="0"/>
+              </a:endParaRPr>
+            </a:p>
+          </p:txBody>
+        </p:sp>
+      </p:grpSp>
+      <p:sp>
+        <p:nvSpPr>
+          <p:cNvPr id="14" name="กล่องข้อความ 13">
+            <a:extLst>
+              <a:ext uri="{FF2B5EF4-FFF2-40B4-BE49-F238E27FC236}">
+                <a16:creationId xmlns:a16="http://schemas.microsoft.com/office/drawing/2014/main" id="{E9EB46D5-75E2-F5FF-E585-F927F9F38E31}"/>
+              </a:ext>
+            </a:extLst>
+          </p:cNvPr>
+          <p:cNvSpPr txBox="1"/>
+          <p:nvPr/>
+        </p:nvSpPr>
+        <p:spPr>
+          <a:xfrm>
+            <a:off x="4578116" y="584737"/>
+            <a:ext cx="3194284" cy="4770537"/>
+          </a:xfrm>
+          <a:prstGeom prst="rect">
+            <a:avLst/>
+          </a:prstGeom>
+          <a:solidFill>
+            <a:schemeClr val="tx2">
+              <a:lumMod val="20000"/>
+              <a:lumOff val="80000"/>
+            </a:schemeClr>
+          </a:solidFill>
+        </p:spPr>
+        <p:txBody>
+          <a:bodyPr wrap="square" rtlCol="0">
+            <a:spAutoFit/>
+          </a:bodyPr>
+          <a:lstStyle/>
+          <a:p>
+            <a:r>
+              <a:rPr lang="en-US" sz="1600" dirty="0">
+                <a:latin typeface="Consolas" panose="020B0609020204030204" pitchFamily="49" charset="0"/>
+              </a:rPr>
+              <a:t>@startuml</a:t>
+            </a:r>
+          </a:p>
+          <a:p>
+            <a:r>
+              <a:rPr lang="en-US" sz="1600" dirty="0">
+                <a:latin typeface="Consolas" panose="020B0609020204030204" pitchFamily="49" charset="0"/>
+              </a:rPr>
+              <a:t>class book</a:t>
+            </a:r>
+          </a:p>
+          <a:p>
+            <a:r>
+              <a:rPr lang="en-US" sz="1600" dirty="0">
+                <a:latin typeface="Consolas" panose="020B0609020204030204" pitchFamily="49" charset="0"/>
+              </a:rPr>
+              <a:t>{</a:t>
+            </a:r>
+          </a:p>
+          <a:p>
+            <a:r>
+              <a:rPr lang="en-US" sz="1600" dirty="0">
+                <a:latin typeface="Consolas" panose="020B0609020204030204" pitchFamily="49" charset="0"/>
+              </a:rPr>
+              <a:t>  'attributes</a:t>
+            </a:r>
+          </a:p>
+          <a:p>
+            <a:r>
+              <a:rPr lang="en-US" sz="1600" dirty="0">
+                <a:latin typeface="Consolas" panose="020B0609020204030204" pitchFamily="49" charset="0"/>
+              </a:rPr>
+              <a:t>  Title : string</a:t>
+            </a:r>
+          </a:p>
+          <a:p>
+            <a:r>
+              <a:rPr lang="en-US" sz="1600" dirty="0">
+                <a:latin typeface="Consolas" panose="020B0609020204030204" pitchFamily="49" charset="0"/>
+              </a:rPr>
+              <a:t>  Author : string</a:t>
+            </a:r>
+          </a:p>
+          <a:p>
+            <a:r>
+              <a:rPr lang="en-US" sz="1600" dirty="0">
+                <a:latin typeface="Consolas" panose="020B0609020204030204" pitchFamily="49" charset="0"/>
+              </a:rPr>
+              <a:t>  Year : int</a:t>
+            </a:r>
+          </a:p>
+          <a:p>
+            <a:r>
+              <a:rPr lang="en-US" sz="1600" dirty="0">
+                <a:latin typeface="Consolas" panose="020B0609020204030204" pitchFamily="49" charset="0"/>
+              </a:rPr>
+              <a:t>  Publisher : string</a:t>
+            </a:r>
+          </a:p>
+          <a:p>
+            <a:r>
+              <a:rPr lang="en-US" sz="1600" dirty="0">
+                <a:latin typeface="Consolas" panose="020B0609020204030204" pitchFamily="49" charset="0"/>
+              </a:rPr>
+              <a:t>  Price : decimal</a:t>
+            </a:r>
+          </a:p>
+          <a:p>
+            <a:r>
+              <a:rPr lang="en-US" sz="1600" dirty="0">
+                <a:latin typeface="Consolas" panose="020B0609020204030204" pitchFamily="49" charset="0"/>
+              </a:rPr>
+              <a:t>  ...</a:t>
+            </a:r>
+          </a:p>
+          <a:p>
+            <a:r>
+              <a:rPr lang="en-US" sz="1600" dirty="0">
+                <a:latin typeface="Consolas" panose="020B0609020204030204" pitchFamily="49" charset="0"/>
+              </a:rPr>
+              <a:t>  'Methods()</a:t>
+            </a:r>
+          </a:p>
+          <a:p>
+            <a:r>
+              <a:rPr lang="en-US" sz="1600" dirty="0">
+                <a:latin typeface="Consolas" panose="020B0609020204030204" pitchFamily="49" charset="0"/>
+              </a:rPr>
+              <a:t>  </a:t>
+            </a:r>
+            <a:r>
+              <a:rPr lang="en-US" sz="1600" dirty="0" err="1">
+                <a:latin typeface="Consolas" panose="020B0609020204030204" pitchFamily="49" charset="0"/>
+              </a:rPr>
+              <a:t>SetTitle</a:t>
+            </a:r>
+            <a:r>
+              <a:rPr lang="en-US" sz="1600" dirty="0">
+                <a:latin typeface="Consolas" panose="020B0609020204030204" pitchFamily="49" charset="0"/>
+              </a:rPr>
+              <a:t>(string)</a:t>
+            </a:r>
+          </a:p>
+          <a:p>
+            <a:r>
+              <a:rPr lang="en-US" sz="1600" dirty="0">
+                <a:latin typeface="Consolas" panose="020B0609020204030204" pitchFamily="49" charset="0"/>
+              </a:rPr>
+              <a:t>  </a:t>
+            </a:r>
+            <a:r>
+              <a:rPr lang="en-US" sz="1600" dirty="0" err="1">
+                <a:latin typeface="Consolas" panose="020B0609020204030204" pitchFamily="49" charset="0"/>
+              </a:rPr>
+              <a:t>GetTitle</a:t>
+            </a:r>
+            <a:r>
+              <a:rPr lang="en-US" sz="1600" dirty="0">
+                <a:latin typeface="Consolas" panose="020B0609020204030204" pitchFamily="49" charset="0"/>
+              </a:rPr>
+              <a:t>() : string</a:t>
+            </a:r>
+          </a:p>
+          <a:p>
+            <a:r>
+              <a:rPr lang="en-US" sz="1600" dirty="0">
+                <a:latin typeface="Consolas" panose="020B0609020204030204" pitchFamily="49" charset="0"/>
+              </a:rPr>
+              <a:t>  </a:t>
+            </a:r>
+            <a:r>
+              <a:rPr lang="en-US" sz="1600" dirty="0" err="1">
+                <a:latin typeface="Consolas" panose="020B0609020204030204" pitchFamily="49" charset="0"/>
+              </a:rPr>
+              <a:t>SetAuthor</a:t>
+            </a:r>
+            <a:r>
+              <a:rPr lang="en-US" sz="1600" dirty="0">
+                <a:latin typeface="Consolas" panose="020B0609020204030204" pitchFamily="49" charset="0"/>
+              </a:rPr>
+              <a:t>(string)</a:t>
+            </a:r>
+          </a:p>
+          <a:p>
+            <a:r>
+              <a:rPr lang="en-US" sz="1600" dirty="0">
+                <a:latin typeface="Consolas" panose="020B0609020204030204" pitchFamily="49" charset="0"/>
+              </a:rPr>
+              <a:t>  </a:t>
+            </a:r>
+            <a:r>
+              <a:rPr lang="en-US" sz="1600" dirty="0" err="1">
+                <a:latin typeface="Consolas" panose="020B0609020204030204" pitchFamily="49" charset="0"/>
+              </a:rPr>
+              <a:t>GetYear</a:t>
+            </a:r>
+            <a:r>
+              <a:rPr lang="en-US" sz="1600" dirty="0">
+                <a:latin typeface="Consolas" panose="020B0609020204030204" pitchFamily="49" charset="0"/>
+              </a:rPr>
+              <a:t>() : int</a:t>
+            </a:r>
+          </a:p>
+          <a:p>
+            <a:r>
+              <a:rPr lang="en-US" sz="1600" dirty="0">
+                <a:latin typeface="Consolas" panose="020B0609020204030204" pitchFamily="49" charset="0"/>
+              </a:rPr>
+              <a:t>  </a:t>
+            </a:r>
+            <a:r>
+              <a:rPr lang="en-US" sz="1600" dirty="0" err="1">
+                <a:latin typeface="Consolas" panose="020B0609020204030204" pitchFamily="49" charset="0"/>
+              </a:rPr>
+              <a:t>SetYear</a:t>
+            </a:r>
+            <a:r>
+              <a:rPr lang="en-US" sz="1600" dirty="0">
+                <a:latin typeface="Consolas" panose="020B0609020204030204" pitchFamily="49" charset="0"/>
+              </a:rPr>
+              <a:t>(int)</a:t>
+            </a:r>
+          </a:p>
+          <a:p>
+            <a:r>
+              <a:rPr lang="en-US" sz="1600" dirty="0">
+                <a:latin typeface="Consolas" panose="020B0609020204030204" pitchFamily="49" charset="0"/>
+              </a:rPr>
+              <a:t>  ...()</a:t>
+            </a:r>
+          </a:p>
+          <a:p>
+            <a:r>
+              <a:rPr lang="en-US" sz="1600" dirty="0">
+                <a:latin typeface="Consolas" panose="020B0609020204030204" pitchFamily="49" charset="0"/>
+              </a:rPr>
+              <a:t>}</a:t>
+            </a:r>
+          </a:p>
+          <a:p>
+            <a:r>
+              <a:rPr lang="en-US" sz="1600" dirty="0">
+                <a:latin typeface="Consolas" panose="020B0609020204030204" pitchFamily="49" charset="0"/>
+              </a:rPr>
+              <a:t>@enduml</a:t>
+            </a:r>
+            <a:endParaRPr lang="th-TH" sz="1600" dirty="0">
+              <a:latin typeface="Consolas" panose="020B0609020204030204" pitchFamily="49" charset="0"/>
+            </a:endParaRPr>
+          </a:p>
+        </p:txBody>
+      </p:sp>
+      <p:pic>
+        <p:nvPicPr>
+          <p:cNvPr id="17" name="รูปภาพ 16" descr="รูปภาพประกอบด้วย ข้อความ&#10;&#10;คำอธิบายที่สร้างโดยอัตโนมัติ">
+            <a:extLst>
+              <a:ext uri="{FF2B5EF4-FFF2-40B4-BE49-F238E27FC236}">
+                <a16:creationId xmlns:a16="http://schemas.microsoft.com/office/drawing/2014/main" id="{166B8EF6-D220-72D2-D15A-736B46DD3363}"/>
+              </a:ext>
+            </a:extLst>
+          </p:cNvPr>
+          <p:cNvPicPr>
+            <a:picLocks noChangeAspect="1"/>
+          </p:cNvPicPr>
+          <p:nvPr/>
+        </p:nvPicPr>
+        <p:blipFill>
+          <a:blip r:embed="rId2">
+            <a:extLst>
+              <a:ext uri="{28A0092B-C50C-407E-A947-70E740481C1C}">
+                <a14:useLocalDpi xmlns:a14="http://schemas.microsoft.com/office/drawing/2010/main" val="0"/>
+              </a:ext>
+            </a:extLst>
+          </a:blip>
+          <a:stretch>
+            <a:fillRect/>
+          </a:stretch>
+        </p:blipFill>
+        <p:spPr>
+          <a:xfrm>
+            <a:off x="8805313" y="1741894"/>
+            <a:ext cx="1629002" cy="2753109"/>
+          </a:xfrm>
+          <a:prstGeom prst="rect">
+            <a:avLst/>
+          </a:prstGeom>
+        </p:spPr>
+      </p:pic>
+    </p:spTree>
+    <p:extLst>
+      <p:ext uri="{BB962C8B-B14F-4D97-AF65-F5344CB8AC3E}">
+        <p14:creationId xmlns:p14="http://schemas.microsoft.com/office/powerpoint/2010/main" val="805783437"/>
+      </p:ext>
+    </p:extLst>
+  </p:cSld>
+  <p:clrMapOvr>
+    <a:masterClrMapping/>
+  </p:clrMapOvr>
+</p:sld>
+</file>
+
+<file path=ppt/slides/slide8.xml><?xml version="1.0" encoding="utf-8"?>
+<p:sld xmlns:a="http://schemas.openxmlformats.org/drawingml/2006/main" xmlns:r="http://schemas.openxmlformats.org/officeDocument/2006/relationships" xmlns:p="http://schemas.openxmlformats.org/presentationml/2006/main">
+  <p:cSld>
+    <p:spTree>
+      <p:nvGrpSpPr>
+        <p:cNvPr id="1" name=""/>
+        <p:cNvGrpSpPr/>
+        <p:nvPr/>
+      </p:nvGrpSpPr>
+      <p:grpSpPr>
+        <a:xfrm>
+          <a:off x="0" y="0"/>
+          <a:ext cx="0" cy="0"/>
+          <a:chOff x="0" y="0"/>
+          <a:chExt cx="0" cy="0"/>
+        </a:xfrm>
+      </p:grpSpPr>
+      <p:pic>
+        <p:nvPicPr>
+          <p:cNvPr id="3" name="รูปภาพ 2" descr="รูปภาพประกอบด้วย โต๊ะ&#10;&#10;คำอธิบายที่สร้างโดยอัตโนมัติ">
+            <a:extLst>
+              <a:ext uri="{FF2B5EF4-FFF2-40B4-BE49-F238E27FC236}">
+                <a16:creationId xmlns:a16="http://schemas.microsoft.com/office/drawing/2014/main" id="{0A08465E-9E96-9E8F-4B17-512889E01C9E}"/>
+              </a:ext>
+            </a:extLst>
+          </p:cNvPr>
+          <p:cNvPicPr>
+            <a:picLocks noChangeAspect="1"/>
+          </p:cNvPicPr>
+          <p:nvPr/>
+        </p:nvPicPr>
+        <p:blipFill>
+          <a:blip r:embed="rId2">
+            <a:extLst>
+              <a:ext uri="{28A0092B-C50C-407E-A947-70E740481C1C}">
+                <a14:useLocalDpi xmlns:a14="http://schemas.microsoft.com/office/drawing/2010/main" val="0"/>
+              </a:ext>
+            </a:extLst>
+          </a:blip>
+          <a:stretch>
+            <a:fillRect/>
+          </a:stretch>
+        </p:blipFill>
+        <p:spPr>
+          <a:xfrm>
+            <a:off x="1347125" y="442495"/>
+            <a:ext cx="9497750" cy="5973009"/>
+          </a:xfrm>
+          <a:prstGeom prst="rect">
+            <a:avLst/>
+          </a:prstGeom>
+          <a:ln>
+            <a:solidFill>
+              <a:srgbClr val="002060"/>
+            </a:solidFill>
+          </a:ln>
+        </p:spPr>
+      </p:pic>
+    </p:spTree>
+    <p:extLst>
+      <p:ext uri="{BB962C8B-B14F-4D97-AF65-F5344CB8AC3E}">
+        <p14:creationId xmlns:p14="http://schemas.microsoft.com/office/powerpoint/2010/main" val="2647947918"/>
+      </p:ext>
+    </p:extLst>
+  </p:cSld>
+  <p:clrMapOvr>
+    <a:masterClrMapping/>
+  </p:clrMapOvr>
+</p:sld>
+</file>
+
+<file path=ppt/slides/slide9.xml><?xml version="1.0" encoding="utf-8"?>
+<p:sld xmlns:a="http://schemas.openxmlformats.org/drawingml/2006/main" xmlns:r="http://schemas.openxmlformats.org/officeDocument/2006/relationships" xmlns:p="http://schemas.openxmlformats.org/presentationml/2006/main">
+  <p:cSld>
+    <p:spTree>
+      <p:nvGrpSpPr>
+        <p:cNvPr id="1" name=""/>
+        <p:cNvGrpSpPr/>
+        <p:nvPr/>
+      </p:nvGrpSpPr>
+      <p:grpSpPr>
+        <a:xfrm>
+          <a:off x="0" y="0"/>
+          <a:ext cx="0" cy="0"/>
+          <a:chOff x="0" y="0"/>
+          <a:chExt cx="0" cy="0"/>
+        </a:xfrm>
+      </p:grpSpPr>
+      <p:sp>
+        <p:nvSpPr>
+          <p:cNvPr id="11" name="สี่เหลี่ยมผืนผ้า 10">
+            <a:extLst>
+              <a:ext uri="{FF2B5EF4-FFF2-40B4-BE49-F238E27FC236}">
+                <a16:creationId xmlns:a16="http://schemas.microsoft.com/office/drawing/2014/main" id="{401CF90A-1CAA-387E-CFB8-A5A36DD858F1}"/>
+              </a:ext>
+            </a:extLst>
+          </p:cNvPr>
+          <p:cNvSpPr/>
+          <p:nvPr/>
+        </p:nvSpPr>
+        <p:spPr>
+          <a:xfrm>
+            <a:off x="288264" y="564052"/>
+            <a:ext cx="10679503" cy="5641253"/>
+          </a:xfrm>
+          <a:prstGeom prst="rect">
+            <a:avLst/>
+          </a:prstGeom>
+          <a:solidFill>
+            <a:schemeClr val="bg1"/>
+          </a:solidFill>
+          <a:ln>
+            <a:solidFill>
+              <a:srgbClr val="002060"/>
+            </a:solidFill>
+          </a:ln>
+        </p:spPr>
+        <p:style>
+          <a:lnRef idx="2">
+            <a:schemeClr val="accent1">
+              <a:shade val="50000"/>
+            </a:schemeClr>
+          </a:lnRef>
+          <a:fillRef idx="1">
+            <a:schemeClr val="accent1"/>
+          </a:fillRef>
+          <a:effectRef idx="0">
+            <a:schemeClr val="accent1"/>
+          </a:effectRef>
+          <a:fontRef idx="minor">
+            <a:schemeClr val="lt1"/>
+          </a:fontRef>
+        </p:style>
+        <p:txBody>
+          <a:bodyPr rtlCol="0" anchor="ctr"/>
+          <a:lstStyle/>
+          <a:p>
+            <a:pPr algn="ctr"/>
+            <a:endParaRPr lang="th-TH"/>
+          </a:p>
+        </p:txBody>
+      </p:sp>
+      <p:sp>
+        <p:nvSpPr>
+          <p:cNvPr id="2" name="สี่เหลี่ยมผืนผ้า 1">
+            <a:extLst>
+              <a:ext uri="{FF2B5EF4-FFF2-40B4-BE49-F238E27FC236}">
+                <a16:creationId xmlns:a16="http://schemas.microsoft.com/office/drawing/2014/main" id="{8021DE99-8633-4148-CA21-51F0E773AA29}"/>
+              </a:ext>
+            </a:extLst>
+          </p:cNvPr>
+          <p:cNvSpPr/>
+          <p:nvPr/>
+        </p:nvSpPr>
+        <p:spPr>
+          <a:xfrm>
+            <a:off x="961267" y="848502"/>
+            <a:ext cx="3735237" cy="586595"/>
+          </a:xfrm>
+          <a:prstGeom prst="rect">
+            <a:avLst/>
+          </a:prstGeom>
+          <a:noFill/>
+          <a:ln w="19050">
+            <a:solidFill>
+              <a:schemeClr val="tx1"/>
+            </a:solidFill>
+          </a:ln>
+        </p:spPr>
+        <p:style>
+          <a:lnRef idx="2">
+            <a:schemeClr val="accent1">
+              <a:shade val="50000"/>
+            </a:schemeClr>
+          </a:lnRef>
+          <a:fillRef idx="1">
+            <a:schemeClr val="accent1"/>
+          </a:fillRef>
+          <a:effectRef idx="0">
+            <a:schemeClr val="accent1"/>
+          </a:effectRef>
+          <a:fontRef idx="minor">
+            <a:schemeClr val="lt1"/>
+          </a:fontRef>
+        </p:style>
+        <p:txBody>
+          <a:bodyPr rtlCol="0" anchor="ctr"/>
+          <a:lstStyle/>
+          <a:p>
+            <a:pPr algn="ctr"/>
+            <a:r>
+              <a:rPr lang="en-US" sz="2000" dirty="0">
+                <a:solidFill>
+                  <a:schemeClr val="tx1"/>
+                </a:solidFill>
+                <a:latin typeface="Consolas" panose="020B0609020204030204" pitchFamily="49" charset="0"/>
+              </a:rPr>
+              <a:t>Book</a:t>
+            </a:r>
+            <a:endParaRPr lang="th-TH" sz="2000" dirty="0">
+              <a:solidFill>
+                <a:schemeClr val="tx1"/>
+              </a:solidFill>
+              <a:latin typeface="Consolas" panose="020B0609020204030204" pitchFamily="49" charset="0"/>
+            </a:endParaRPr>
+          </a:p>
+        </p:txBody>
+      </p:sp>
+      <p:sp>
+        <p:nvSpPr>
+          <p:cNvPr id="3" name="สี่เหลี่ยมผืนผ้า 2">
+            <a:extLst>
+              <a:ext uri="{FF2B5EF4-FFF2-40B4-BE49-F238E27FC236}">
+                <a16:creationId xmlns:a16="http://schemas.microsoft.com/office/drawing/2014/main" id="{EE87D178-AAE4-CC57-B670-4A8F5D37942D}"/>
+              </a:ext>
+            </a:extLst>
+          </p:cNvPr>
+          <p:cNvSpPr/>
+          <p:nvPr/>
+        </p:nvSpPr>
+        <p:spPr>
+          <a:xfrm>
+            <a:off x="961267" y="1435098"/>
+            <a:ext cx="3735237" cy="1802921"/>
+          </a:xfrm>
+          <a:prstGeom prst="rect">
+            <a:avLst/>
+          </a:prstGeom>
+          <a:noFill/>
+          <a:ln w="19050">
+            <a:solidFill>
+              <a:schemeClr val="tx1"/>
+            </a:solidFill>
+          </a:ln>
+        </p:spPr>
+        <p:style>
+          <a:lnRef idx="2">
+            <a:schemeClr val="accent1">
+              <a:shade val="50000"/>
+            </a:schemeClr>
+          </a:lnRef>
+          <a:fillRef idx="1">
+            <a:schemeClr val="accent1"/>
+          </a:fillRef>
+          <a:effectRef idx="0">
+            <a:schemeClr val="accent1"/>
+          </a:effectRef>
+          <a:fontRef idx="minor">
+            <a:schemeClr val="lt1"/>
+          </a:fontRef>
+        </p:style>
+        <p:txBody>
+          <a:bodyPr rtlCol="0" anchor="ctr"/>
+          <a:lstStyle/>
+          <a:p>
+            <a:r>
+              <a:rPr lang="en-US" sz="2000" dirty="0">
+                <a:solidFill>
+                  <a:schemeClr val="tx1"/>
+                </a:solidFill>
+                <a:latin typeface="Consolas" panose="020B0609020204030204" pitchFamily="49" charset="0"/>
+              </a:rPr>
+              <a:t>- Title : string</a:t>
+            </a:r>
+          </a:p>
+          <a:p>
+            <a:r>
+              <a:rPr lang="en-US" sz="2000" dirty="0">
+                <a:solidFill>
+                  <a:schemeClr val="tx1"/>
+                </a:solidFill>
+                <a:latin typeface="Consolas" panose="020B0609020204030204" pitchFamily="49" charset="0"/>
+              </a:rPr>
+              <a:t>- Author : string</a:t>
+            </a:r>
+          </a:p>
+          <a:p>
+            <a:r>
+              <a:rPr lang="en-US" sz="2000" dirty="0">
+                <a:solidFill>
+                  <a:schemeClr val="tx1"/>
+                </a:solidFill>
+                <a:latin typeface="Consolas" panose="020B0609020204030204" pitchFamily="49" charset="0"/>
+              </a:rPr>
+              <a:t>- Year : int</a:t>
+            </a:r>
+          </a:p>
+          <a:p>
+            <a:r>
+              <a:rPr lang="en-US" sz="2000" dirty="0">
+                <a:solidFill>
+                  <a:schemeClr val="tx1"/>
+                </a:solidFill>
+                <a:latin typeface="Consolas" panose="020B0609020204030204" pitchFamily="49" charset="0"/>
+              </a:rPr>
+              <a:t>- Publisher : string</a:t>
+            </a:r>
+          </a:p>
+          <a:p>
+            <a:r>
+              <a:rPr lang="en-US" sz="2000" dirty="0">
+                <a:solidFill>
+                  <a:schemeClr val="tx1"/>
+                </a:solidFill>
+                <a:latin typeface="Consolas" panose="020B0609020204030204" pitchFamily="49" charset="0"/>
+              </a:rPr>
+              <a:t>- Price : decimal</a:t>
+            </a:r>
+          </a:p>
+          <a:p>
+            <a:r>
+              <a:rPr lang="en-US" sz="2000" dirty="0">
+                <a:solidFill>
+                  <a:schemeClr val="tx1"/>
+                </a:solidFill>
+                <a:latin typeface="Consolas" panose="020B0609020204030204" pitchFamily="49" charset="0"/>
+              </a:rPr>
+              <a:t>...</a:t>
+            </a:r>
+            <a:endParaRPr lang="th-TH" sz="2000" dirty="0">
+              <a:solidFill>
+                <a:schemeClr val="tx1"/>
+              </a:solidFill>
+              <a:latin typeface="Consolas" panose="020B0609020204030204" pitchFamily="49" charset="0"/>
+            </a:endParaRPr>
+          </a:p>
+        </p:txBody>
+      </p:sp>
+      <p:sp>
+        <p:nvSpPr>
+          <p:cNvPr id="4" name="สี่เหลี่ยมผืนผ้า 3">
+            <a:extLst>
+              <a:ext uri="{FF2B5EF4-FFF2-40B4-BE49-F238E27FC236}">
+                <a16:creationId xmlns:a16="http://schemas.microsoft.com/office/drawing/2014/main" id="{952043EE-0F2F-4BE8-AA8C-A3A75B4EA3C0}"/>
+              </a:ext>
+            </a:extLst>
+          </p:cNvPr>
+          <p:cNvSpPr/>
+          <p:nvPr/>
+        </p:nvSpPr>
+        <p:spPr>
+          <a:xfrm>
+            <a:off x="961266" y="3238019"/>
+            <a:ext cx="3735237" cy="2303254"/>
+          </a:xfrm>
+          <a:prstGeom prst="rect">
+            <a:avLst/>
+          </a:prstGeom>
+          <a:noFill/>
+          <a:ln w="19050">
+            <a:solidFill>
+              <a:schemeClr val="tx1"/>
+            </a:solidFill>
+          </a:ln>
+        </p:spPr>
+        <p:style>
+          <a:lnRef idx="2">
+            <a:schemeClr val="accent1">
+              <a:shade val="50000"/>
+            </a:schemeClr>
+          </a:lnRef>
+          <a:fillRef idx="1">
+            <a:schemeClr val="accent1"/>
+          </a:fillRef>
+          <a:effectRef idx="0">
+            <a:schemeClr val="accent1"/>
+          </a:effectRef>
+          <a:fontRef idx="minor">
+            <a:schemeClr val="lt1"/>
+          </a:fontRef>
+        </p:style>
+        <p:txBody>
+          <a:bodyPr rtlCol="0" anchor="ctr"/>
+          <a:lstStyle/>
+          <a:p>
+            <a:r>
+              <a:rPr lang="en-US" sz="2000" dirty="0">
+                <a:solidFill>
+                  <a:schemeClr val="tx1"/>
+                </a:solidFill>
+                <a:latin typeface="Consolas" panose="020B0609020204030204" pitchFamily="49" charset="0"/>
+              </a:rPr>
+              <a:t>+ </a:t>
+            </a:r>
+            <a:r>
+              <a:rPr lang="en-US" sz="2000" dirty="0" err="1">
+                <a:solidFill>
+                  <a:schemeClr val="tx1"/>
+                </a:solidFill>
+                <a:latin typeface="Consolas" panose="020B0609020204030204" pitchFamily="49" charset="0"/>
+              </a:rPr>
+              <a:t>SetTitle</a:t>
+            </a:r>
+            <a:r>
+              <a:rPr lang="en-US" sz="2000" dirty="0">
+                <a:solidFill>
+                  <a:schemeClr val="tx1"/>
+                </a:solidFill>
+                <a:latin typeface="Consolas" panose="020B0609020204030204" pitchFamily="49" charset="0"/>
+              </a:rPr>
+              <a:t>(string)</a:t>
+            </a:r>
+          </a:p>
+          <a:p>
+            <a:r>
+              <a:rPr lang="en-US" sz="2000" dirty="0">
+                <a:solidFill>
+                  <a:schemeClr val="tx1"/>
+                </a:solidFill>
+                <a:latin typeface="Consolas" panose="020B0609020204030204" pitchFamily="49" charset="0"/>
+              </a:rPr>
+              <a:t>+ </a:t>
+            </a:r>
+            <a:r>
+              <a:rPr lang="en-US" sz="2000" dirty="0" err="1">
+                <a:solidFill>
+                  <a:schemeClr val="tx1"/>
+                </a:solidFill>
+                <a:latin typeface="Consolas" panose="020B0609020204030204" pitchFamily="49" charset="0"/>
+              </a:rPr>
+              <a:t>GetTitle</a:t>
+            </a:r>
+            <a:r>
+              <a:rPr lang="en-US" sz="2000" dirty="0">
+                <a:solidFill>
+                  <a:schemeClr val="tx1"/>
+                </a:solidFill>
+                <a:latin typeface="Consolas" panose="020B0609020204030204" pitchFamily="49" charset="0"/>
+              </a:rPr>
+              <a:t>() : string</a:t>
+            </a:r>
+          </a:p>
+          <a:p>
+            <a:r>
+              <a:rPr lang="en-US" sz="2000" dirty="0">
+                <a:solidFill>
+                  <a:schemeClr val="tx1"/>
+                </a:solidFill>
+                <a:latin typeface="Consolas" panose="020B0609020204030204" pitchFamily="49" charset="0"/>
+              </a:rPr>
+              <a:t>+ </a:t>
+            </a:r>
+            <a:r>
+              <a:rPr lang="en-US" sz="2000" dirty="0" err="1">
+                <a:solidFill>
+                  <a:schemeClr val="tx1"/>
+                </a:solidFill>
+                <a:latin typeface="Consolas" panose="020B0609020204030204" pitchFamily="49" charset="0"/>
+              </a:rPr>
+              <a:t>SetAuthor</a:t>
+            </a:r>
+            <a:r>
+              <a:rPr lang="en-US" sz="2000" dirty="0">
+                <a:solidFill>
+                  <a:schemeClr val="tx1"/>
+                </a:solidFill>
+                <a:latin typeface="Consolas" panose="020B0609020204030204" pitchFamily="49" charset="0"/>
+              </a:rPr>
+              <a:t>(string)</a:t>
+            </a:r>
+          </a:p>
+          <a:p>
+            <a:r>
+              <a:rPr lang="en-US" sz="2000" dirty="0">
+                <a:solidFill>
+                  <a:schemeClr val="tx1"/>
+                </a:solidFill>
+                <a:latin typeface="Consolas" panose="020B0609020204030204" pitchFamily="49" charset="0"/>
+              </a:rPr>
+              <a:t>+ </a:t>
+            </a:r>
+            <a:r>
+              <a:rPr lang="en-US" sz="2000" dirty="0" err="1">
+                <a:solidFill>
+                  <a:schemeClr val="tx1"/>
+                </a:solidFill>
+                <a:latin typeface="Consolas" panose="020B0609020204030204" pitchFamily="49" charset="0"/>
+              </a:rPr>
+              <a:t>GetYear</a:t>
+            </a:r>
+            <a:r>
+              <a:rPr lang="en-US" sz="2000" dirty="0">
+                <a:solidFill>
+                  <a:schemeClr val="tx1"/>
+                </a:solidFill>
+                <a:latin typeface="Consolas" panose="020B0609020204030204" pitchFamily="49" charset="0"/>
+              </a:rPr>
+              <a:t>() : int</a:t>
+            </a:r>
+          </a:p>
+          <a:p>
+            <a:r>
+              <a:rPr lang="en-US" sz="2000" dirty="0">
+                <a:solidFill>
+                  <a:schemeClr val="tx1"/>
+                </a:solidFill>
+                <a:latin typeface="Consolas" panose="020B0609020204030204" pitchFamily="49" charset="0"/>
+              </a:rPr>
+              <a:t>+ </a:t>
+            </a:r>
+            <a:r>
+              <a:rPr lang="en-US" sz="2000" dirty="0" err="1">
+                <a:solidFill>
+                  <a:schemeClr val="tx1"/>
+                </a:solidFill>
+                <a:latin typeface="Consolas" panose="020B0609020204030204" pitchFamily="49" charset="0"/>
+              </a:rPr>
+              <a:t>SetYear</a:t>
+            </a:r>
+            <a:r>
+              <a:rPr lang="en-US" sz="2000" dirty="0">
+                <a:solidFill>
+                  <a:schemeClr val="tx1"/>
+                </a:solidFill>
+                <a:latin typeface="Consolas" panose="020B0609020204030204" pitchFamily="49" charset="0"/>
+              </a:rPr>
+              <a:t>(int)</a:t>
+            </a:r>
+          </a:p>
+          <a:p>
+            <a:r>
+              <a:rPr lang="en-US" sz="2000" dirty="0">
+                <a:solidFill>
+                  <a:schemeClr val="tx1"/>
+                </a:solidFill>
+                <a:latin typeface="Consolas" panose="020B0609020204030204" pitchFamily="49" charset="0"/>
+              </a:rPr>
+              <a:t>...</a:t>
+            </a:r>
+          </a:p>
+          <a:p>
+            <a:pPr algn="ctr"/>
+            <a:endParaRPr lang="th-TH" sz="2000" dirty="0">
+              <a:solidFill>
+                <a:schemeClr val="tx1"/>
+              </a:solidFill>
+              <a:latin typeface="Consolas" panose="020B0609020204030204" pitchFamily="49" charset="0"/>
+            </a:endParaRPr>
+          </a:p>
+        </p:txBody>
+      </p:sp>
+      <p:sp>
+        <p:nvSpPr>
+          <p:cNvPr id="5" name="กล่องข้อความ 4">
+            <a:extLst>
+              <a:ext uri="{FF2B5EF4-FFF2-40B4-BE49-F238E27FC236}">
+                <a16:creationId xmlns:a16="http://schemas.microsoft.com/office/drawing/2014/main" id="{70E77ADF-7F98-426B-C2C8-6EE32A899D42}"/>
+              </a:ext>
+            </a:extLst>
+          </p:cNvPr>
+          <p:cNvSpPr txBox="1"/>
+          <p:nvPr/>
+        </p:nvSpPr>
+        <p:spPr>
+          <a:xfrm>
+            <a:off x="1802619" y="5670573"/>
+            <a:ext cx="2061713" cy="400110"/>
+          </a:xfrm>
+          <a:prstGeom prst="rect">
+            <a:avLst/>
+          </a:prstGeom>
+          <a:noFill/>
+        </p:spPr>
+        <p:txBody>
+          <a:bodyPr wrap="square" rtlCol="0">
+            <a:spAutoFit/>
+          </a:bodyPr>
+          <a:lstStyle/>
+          <a:p>
+            <a:pPr algn="ctr"/>
+            <a:r>
+              <a:rPr lang="en-US" sz="2000" dirty="0">
+                <a:solidFill>
+                  <a:srgbClr val="0070C0"/>
+                </a:solidFill>
+              </a:rPr>
+              <a:t>Class diagram</a:t>
+            </a:r>
+            <a:endParaRPr lang="th-TH" sz="2000" dirty="0">
+              <a:solidFill>
+                <a:srgbClr val="0070C0"/>
+              </a:solidFill>
+            </a:endParaRPr>
+          </a:p>
+        </p:txBody>
+      </p:sp>
+      <p:sp>
+        <p:nvSpPr>
+          <p:cNvPr id="6" name="กล่องข้อความ 5">
+            <a:extLst>
+              <a:ext uri="{FF2B5EF4-FFF2-40B4-BE49-F238E27FC236}">
+                <a16:creationId xmlns:a16="http://schemas.microsoft.com/office/drawing/2014/main" id="{63617E22-9CE2-72AF-9D68-EE2989D888BE}"/>
+              </a:ext>
+            </a:extLst>
+          </p:cNvPr>
+          <p:cNvSpPr txBox="1"/>
+          <p:nvPr/>
+        </p:nvSpPr>
+        <p:spPr>
+          <a:xfrm>
+            <a:off x="5748673" y="5805195"/>
+            <a:ext cx="2221302" cy="400110"/>
+          </a:xfrm>
+          <a:prstGeom prst="rect">
+            <a:avLst/>
+          </a:prstGeom>
+          <a:noFill/>
+        </p:spPr>
+        <p:txBody>
+          <a:bodyPr wrap="square" rtlCol="0">
+            <a:spAutoFit/>
+          </a:bodyPr>
+          <a:lstStyle/>
+          <a:p>
+            <a:pPr algn="ctr"/>
+            <a:r>
+              <a:rPr lang="en-US" sz="2000" dirty="0">
+                <a:solidFill>
+                  <a:srgbClr val="0070C0"/>
+                </a:solidFill>
+              </a:rPr>
+              <a:t>PlantUML code</a:t>
+            </a:r>
+            <a:endParaRPr lang="th-TH" sz="2000" dirty="0">
+              <a:solidFill>
+                <a:srgbClr val="0070C0"/>
+              </a:solidFill>
+            </a:endParaRPr>
+          </a:p>
+        </p:txBody>
+      </p:sp>
+      <p:sp>
+        <p:nvSpPr>
+          <p:cNvPr id="7" name="กล่องข้อความ 6">
+            <a:extLst>
+              <a:ext uri="{FF2B5EF4-FFF2-40B4-BE49-F238E27FC236}">
+                <a16:creationId xmlns:a16="http://schemas.microsoft.com/office/drawing/2014/main" id="{F41901BE-8D6C-2065-A840-73D950207D45}"/>
+              </a:ext>
+            </a:extLst>
+          </p:cNvPr>
+          <p:cNvSpPr txBox="1"/>
+          <p:nvPr/>
+        </p:nvSpPr>
+        <p:spPr>
+          <a:xfrm>
+            <a:off x="8746465" y="4814910"/>
+            <a:ext cx="2221302" cy="400110"/>
+          </a:xfrm>
+          <a:prstGeom prst="rect">
+            <a:avLst/>
+          </a:prstGeom>
+          <a:noFill/>
+        </p:spPr>
+        <p:txBody>
+          <a:bodyPr wrap="square" rtlCol="0">
+            <a:spAutoFit/>
+          </a:bodyPr>
+          <a:lstStyle/>
+          <a:p>
+            <a:pPr algn="ctr"/>
+            <a:r>
+              <a:rPr lang="en-US" sz="2000" dirty="0">
+                <a:solidFill>
+                  <a:srgbClr val="0070C0"/>
+                </a:solidFill>
+              </a:rPr>
+              <a:t>Render output</a:t>
+            </a:r>
+            <a:endParaRPr lang="th-TH" sz="2000" dirty="0">
+              <a:solidFill>
+                <a:srgbClr val="0070C0"/>
+              </a:solidFill>
+            </a:endParaRPr>
+          </a:p>
+        </p:txBody>
+      </p:sp>
+      <p:sp>
+        <p:nvSpPr>
+          <p:cNvPr id="8" name="กล่องข้อความ 7">
+            <a:extLst>
+              <a:ext uri="{FF2B5EF4-FFF2-40B4-BE49-F238E27FC236}">
+                <a16:creationId xmlns:a16="http://schemas.microsoft.com/office/drawing/2014/main" id="{5485ED9D-57F2-A365-0591-B427BFDD3C35}"/>
+              </a:ext>
+            </a:extLst>
+          </p:cNvPr>
+          <p:cNvSpPr txBox="1"/>
+          <p:nvPr/>
+        </p:nvSpPr>
+        <p:spPr>
+          <a:xfrm>
+            <a:off x="5262182" y="852750"/>
+            <a:ext cx="3194284" cy="4770537"/>
+          </a:xfrm>
+          <a:prstGeom prst="rect">
+            <a:avLst/>
+          </a:prstGeom>
+          <a:solidFill>
+            <a:schemeClr val="tx2">
+              <a:lumMod val="20000"/>
+              <a:lumOff val="80000"/>
+            </a:schemeClr>
+          </a:solidFill>
+        </p:spPr>
+        <p:txBody>
+          <a:bodyPr wrap="square" rtlCol="0">
+            <a:spAutoFit/>
+          </a:bodyPr>
+          <a:lstStyle/>
+          <a:p>
+            <a:r>
+              <a:rPr lang="en-US" sz="1600" dirty="0">
+                <a:latin typeface="Consolas" panose="020B0609020204030204" pitchFamily="49" charset="0"/>
+              </a:rPr>
+              <a:t>@startuml</a:t>
+            </a:r>
+          </a:p>
+          <a:p>
+            <a:r>
+              <a:rPr lang="en-US" sz="1600" dirty="0">
+                <a:latin typeface="Consolas" panose="020B0609020204030204" pitchFamily="49" charset="0"/>
+              </a:rPr>
+              <a:t>class book</a:t>
+            </a:r>
+          </a:p>
+          <a:p>
+            <a:r>
+              <a:rPr lang="en-US" sz="1600" dirty="0">
+                <a:latin typeface="Consolas" panose="020B0609020204030204" pitchFamily="49" charset="0"/>
+              </a:rPr>
+              <a:t>{</a:t>
+            </a:r>
+          </a:p>
+          <a:p>
+            <a:r>
+              <a:rPr lang="en-US" sz="1600" dirty="0">
+                <a:latin typeface="Consolas" panose="020B0609020204030204" pitchFamily="49" charset="0"/>
+              </a:rPr>
+              <a:t>  'attributes</a:t>
+            </a:r>
+          </a:p>
+          <a:p>
+            <a:r>
+              <a:rPr lang="en-US" sz="1600" dirty="0">
+                <a:latin typeface="Consolas" panose="020B0609020204030204" pitchFamily="49" charset="0"/>
+              </a:rPr>
+              <a:t>  -Title : string</a:t>
+            </a:r>
+          </a:p>
+          <a:p>
+            <a:r>
+              <a:rPr lang="en-US" sz="1600" dirty="0">
+                <a:latin typeface="Consolas" panose="020B0609020204030204" pitchFamily="49" charset="0"/>
+              </a:rPr>
+              <a:t>  -Author : string</a:t>
+            </a:r>
+          </a:p>
+          <a:p>
+            <a:r>
+              <a:rPr lang="en-US" sz="1600" dirty="0">
+                <a:latin typeface="Consolas" panose="020B0609020204030204" pitchFamily="49" charset="0"/>
+              </a:rPr>
+              <a:t>  -Year : int</a:t>
+            </a:r>
+          </a:p>
+          <a:p>
+            <a:r>
+              <a:rPr lang="en-US" sz="1600" dirty="0">
+                <a:latin typeface="Consolas" panose="020B0609020204030204" pitchFamily="49" charset="0"/>
+              </a:rPr>
+              <a:t>  -Publisher : string</a:t>
+            </a:r>
+          </a:p>
+          <a:p>
+            <a:r>
+              <a:rPr lang="en-US" sz="1600" dirty="0">
+                <a:latin typeface="Consolas" panose="020B0609020204030204" pitchFamily="49" charset="0"/>
+              </a:rPr>
+              <a:t>  -Price : decimal</a:t>
+            </a:r>
+          </a:p>
+          <a:p>
+            <a:r>
+              <a:rPr lang="en-US" sz="1600" dirty="0">
+                <a:latin typeface="Consolas" panose="020B0609020204030204" pitchFamily="49" charset="0"/>
+              </a:rPr>
+              <a:t>  ...</a:t>
+            </a:r>
+          </a:p>
+          <a:p>
+            <a:r>
+              <a:rPr lang="en-US" sz="1600" dirty="0">
+                <a:latin typeface="Consolas" panose="020B0609020204030204" pitchFamily="49" charset="0"/>
+              </a:rPr>
+              <a:t>  'Methods()</a:t>
+            </a:r>
+          </a:p>
+          <a:p>
+            <a:r>
+              <a:rPr lang="en-US" sz="1600" dirty="0">
+                <a:latin typeface="Consolas" panose="020B0609020204030204" pitchFamily="49" charset="0"/>
+              </a:rPr>
+              <a:t>  +</a:t>
+            </a:r>
+            <a:r>
+              <a:rPr lang="en-US" sz="1600" dirty="0" err="1">
+                <a:latin typeface="Consolas" panose="020B0609020204030204" pitchFamily="49" charset="0"/>
+              </a:rPr>
+              <a:t>SetTitle</a:t>
+            </a:r>
+            <a:r>
+              <a:rPr lang="en-US" sz="1600" dirty="0">
+                <a:latin typeface="Consolas" panose="020B0609020204030204" pitchFamily="49" charset="0"/>
+              </a:rPr>
+              <a:t>(string)</a:t>
+            </a:r>
+          </a:p>
+          <a:p>
+            <a:r>
+              <a:rPr lang="en-US" sz="1600" dirty="0">
+                <a:latin typeface="Consolas" panose="020B0609020204030204" pitchFamily="49" charset="0"/>
+              </a:rPr>
+              <a:t>  +</a:t>
+            </a:r>
+            <a:r>
+              <a:rPr lang="en-US" sz="1600" dirty="0" err="1">
+                <a:latin typeface="Consolas" panose="020B0609020204030204" pitchFamily="49" charset="0"/>
+              </a:rPr>
+              <a:t>GetTitle</a:t>
+            </a:r>
+            <a:r>
+              <a:rPr lang="en-US" sz="1600" dirty="0">
+                <a:latin typeface="Consolas" panose="020B0609020204030204" pitchFamily="49" charset="0"/>
+              </a:rPr>
+              <a:t>() : string</a:t>
+            </a:r>
+          </a:p>
+          <a:p>
+            <a:r>
+              <a:rPr lang="en-US" sz="1600" dirty="0">
+                <a:latin typeface="Consolas" panose="020B0609020204030204" pitchFamily="49" charset="0"/>
+              </a:rPr>
+              <a:t>  +</a:t>
+            </a:r>
+            <a:r>
+              <a:rPr lang="en-US" sz="1600" dirty="0" err="1">
+                <a:latin typeface="Consolas" panose="020B0609020204030204" pitchFamily="49" charset="0"/>
+              </a:rPr>
+              <a:t>SetAuthor</a:t>
+            </a:r>
+            <a:r>
+              <a:rPr lang="en-US" sz="1600" dirty="0">
+                <a:latin typeface="Consolas" panose="020B0609020204030204" pitchFamily="49" charset="0"/>
+              </a:rPr>
+              <a:t>(string)</a:t>
+            </a:r>
+          </a:p>
+          <a:p>
+            <a:r>
+              <a:rPr lang="en-US" sz="1600" dirty="0">
+                <a:latin typeface="Consolas" panose="020B0609020204030204" pitchFamily="49" charset="0"/>
+              </a:rPr>
+              <a:t>  +</a:t>
+            </a:r>
+            <a:r>
+              <a:rPr lang="en-US" sz="1600" dirty="0" err="1">
+                <a:latin typeface="Consolas" panose="020B0609020204030204" pitchFamily="49" charset="0"/>
+              </a:rPr>
+              <a:t>GetYear</a:t>
+            </a:r>
+            <a:r>
+              <a:rPr lang="en-US" sz="1600" dirty="0">
+                <a:latin typeface="Consolas" panose="020B0609020204030204" pitchFamily="49" charset="0"/>
+              </a:rPr>
+              <a:t>() : int</a:t>
+            </a:r>
+          </a:p>
+          <a:p>
+            <a:r>
+              <a:rPr lang="en-US" sz="1600" dirty="0">
+                <a:latin typeface="Consolas" panose="020B0609020204030204" pitchFamily="49" charset="0"/>
+              </a:rPr>
+              <a:t>  +</a:t>
+            </a:r>
+            <a:r>
+              <a:rPr lang="en-US" sz="1600" dirty="0" err="1">
+                <a:latin typeface="Consolas" panose="020B0609020204030204" pitchFamily="49" charset="0"/>
+              </a:rPr>
+              <a:t>SetYear</a:t>
+            </a:r>
+            <a:r>
+              <a:rPr lang="en-US" sz="1600" dirty="0">
+                <a:latin typeface="Consolas" panose="020B0609020204030204" pitchFamily="49" charset="0"/>
+              </a:rPr>
+              <a:t>(int)</a:t>
+            </a:r>
+          </a:p>
+          <a:p>
+            <a:r>
+              <a:rPr lang="en-US" sz="1600" dirty="0">
+                <a:latin typeface="Consolas" panose="020B0609020204030204" pitchFamily="49" charset="0"/>
+              </a:rPr>
+              <a:t>  ...()</a:t>
+            </a:r>
+          </a:p>
+          <a:p>
+            <a:r>
+              <a:rPr lang="en-US" sz="1600" dirty="0">
+                <a:latin typeface="Consolas" panose="020B0609020204030204" pitchFamily="49" charset="0"/>
+              </a:rPr>
+              <a:t>}</a:t>
+            </a:r>
+          </a:p>
+          <a:p>
+            <a:r>
+              <a:rPr lang="en-US" sz="1600" dirty="0">
+                <a:latin typeface="Consolas" panose="020B0609020204030204" pitchFamily="49" charset="0"/>
+              </a:rPr>
+              <a:t>@enduml</a:t>
+            </a:r>
+            <a:endParaRPr lang="th-TH" sz="1600" dirty="0">
+              <a:latin typeface="Consolas" panose="020B0609020204030204" pitchFamily="49" charset="0"/>
+            </a:endParaRPr>
+          </a:p>
+        </p:txBody>
+      </p:sp>
+      <p:pic>
+        <p:nvPicPr>
+          <p:cNvPr id="10" name="รูปภาพ 9" descr="รูปภาพประกอบด้วย ข้อความ&#10;&#10;คำอธิบายที่สร้างโดยอัตโนมัติ">
+            <a:extLst>
+              <a:ext uri="{FF2B5EF4-FFF2-40B4-BE49-F238E27FC236}">
+                <a16:creationId xmlns:a16="http://schemas.microsoft.com/office/drawing/2014/main" id="{F3020C65-CD1D-1AF7-DAD9-07ED226CE034}"/>
+              </a:ext>
+            </a:extLst>
+          </p:cNvPr>
+          <p:cNvPicPr>
+            <a:picLocks noChangeAspect="1"/>
+          </p:cNvPicPr>
+          <p:nvPr/>
+        </p:nvPicPr>
+        <p:blipFill>
+          <a:blip r:embed="rId2">
+            <a:extLst>
+              <a:ext uri="{28A0092B-C50C-407E-A947-70E740481C1C}">
+                <a14:useLocalDpi xmlns:a14="http://schemas.microsoft.com/office/drawing/2010/main" val="0"/>
+              </a:ext>
+            </a:extLst>
+          </a:blip>
+          <a:stretch>
+            <a:fillRect/>
+          </a:stretch>
+        </p:blipFill>
+        <p:spPr>
+          <a:xfrm>
+            <a:off x="8923536" y="1730568"/>
+            <a:ext cx="1867161" cy="2810267"/>
+          </a:xfrm>
+          <a:prstGeom prst="rect">
+            <a:avLst/>
+          </a:prstGeom>
+        </p:spPr>
+      </p:pic>
+    </p:spTree>
+    <p:extLst>
+      <p:ext uri="{BB962C8B-B14F-4D97-AF65-F5344CB8AC3E}">
+        <p14:creationId xmlns:p14="http://schemas.microsoft.com/office/powerpoint/2010/main" val="1978292923"/>
       </p:ext>
     </p:extLst>
   </p:cSld>
